--- a/Presentation_midterm.pptx
+++ b/Presentation_midterm.pptx
@@ -7,10 +7,15 @@
   <p:sldIdLst>
     <p:sldId id="258" r:id="rId2"/>
     <p:sldId id="263" r:id="rId3"/>
-    <p:sldId id="259" r:id="rId4"/>
-    <p:sldId id="260" r:id="rId5"/>
-    <p:sldId id="261" r:id="rId6"/>
-    <p:sldId id="262" r:id="rId7"/>
+    <p:sldId id="268" r:id="rId4"/>
+    <p:sldId id="269" r:id="rId5"/>
+    <p:sldId id="270" r:id="rId6"/>
+    <p:sldId id="271" r:id="rId7"/>
+    <p:sldId id="260" r:id="rId8"/>
+    <p:sldId id="266" r:id="rId9"/>
+    <p:sldId id="264" r:id="rId10"/>
+    <p:sldId id="265" r:id="rId11"/>
+    <p:sldId id="267" r:id="rId12"/>
   </p:sldIdLst>
   <p:sldSz cx="12192000" cy="6858000"/>
   <p:notesSz cx="6858000" cy="9144000"/>
@@ -109,13 +114,18 @@
       </a:defRPr>
     </a:lvl9pPr>
   </p:defaultTextStyle>
+  <p:extLst>
+    <p:ext uri="{EFAFB233-063F-42B5-8137-9DF3F51BA10A}">
+      <p15:sldGuideLst xmlns:p15="http://schemas.microsoft.com/office/powerpoint/2012/main"/>
+    </p:ext>
+  </p:extLst>
 </p:presentation>
 </file>
 
 <file path=ppt/revisionInfo.xml><?xml version="1.0" encoding="utf-8"?>
 <p1510:revInfo xmlns:a="http://schemas.openxmlformats.org/drawingml/2006/main" xmlns:r="http://schemas.openxmlformats.org/officeDocument/2006/relationships" xmlns:p1510="http://schemas.microsoft.com/office/powerpoint/2015/10/main">
   <p1510:revLst>
-    <p1510:client id="{50221FE2-3732-40EC-89C5-FD390CBB239C}" v="8" dt="2023-04-18T16:43:14.397"/>
+    <p1510:client id="{50221FE2-3732-40EC-89C5-FD390CBB239C}" v="14" dt="2023-04-18T23:05:26.020"/>
   </p1510:revLst>
 </p1510:revInfo>
 </file>
@@ -125,7 +135,7 @@
   <pc:docChgLst>
     <pc:chgData name="Andrea Archetti" userId="291975a6-52d4-44d6-83c4-62271c88eb97" providerId="ADAL" clId="{50221FE2-3732-40EC-89C5-FD390CBB239C}"/>
     <pc:docChg chg="custSel addSld delSld modSld sldOrd">
-      <pc:chgData name="Andrea Archetti" userId="291975a6-52d4-44d6-83c4-62271c88eb97" providerId="ADAL" clId="{50221FE2-3732-40EC-89C5-FD390CBB239C}" dt="2023-04-18T17:30:28.752" v="152"/>
+      <pc:chgData name="Andrea Archetti" userId="291975a6-52d4-44d6-83c4-62271c88eb97" providerId="ADAL" clId="{50221FE2-3732-40EC-89C5-FD390CBB239C}" dt="2023-04-18T23:06:31.674" v="419" actId="2696"/>
       <pc:docMkLst>
         <pc:docMk/>
       </pc:docMkLst>
@@ -287,13 +297,13 @@
         </pc:picChg>
       </pc:sldChg>
       <pc:sldChg chg="addSp delSp modSp new mod">
-        <pc:chgData name="Andrea Archetti" userId="291975a6-52d4-44d6-83c4-62271c88eb97" providerId="ADAL" clId="{50221FE2-3732-40EC-89C5-FD390CBB239C}" dt="2023-04-18T16:36:39.818" v="129" actId="1076"/>
+        <pc:chgData name="Andrea Archetti" userId="291975a6-52d4-44d6-83c4-62271c88eb97" providerId="ADAL" clId="{50221FE2-3732-40EC-89C5-FD390CBB239C}" dt="2023-04-18T21:02:39.183" v="201" actId="20577"/>
         <pc:sldMkLst>
           <pc:docMk/>
           <pc:sldMk cId="315832427" sldId="258"/>
         </pc:sldMkLst>
         <pc:spChg chg="mod">
-          <ac:chgData name="Andrea Archetti" userId="291975a6-52d4-44d6-83c4-62271c88eb97" providerId="ADAL" clId="{50221FE2-3732-40EC-89C5-FD390CBB239C}" dt="2023-04-18T16:33:14.828" v="109" actId="27636"/>
+          <ac:chgData name="Andrea Archetti" userId="291975a6-52d4-44d6-83c4-62271c88eb97" providerId="ADAL" clId="{50221FE2-3732-40EC-89C5-FD390CBB239C}" dt="2023-04-18T21:02:39.183" v="201" actId="20577"/>
           <ac:spMkLst>
             <pc:docMk/>
             <pc:sldMk cId="315832427" sldId="258"/>
@@ -309,7 +319,7 @@
           </ac:spMkLst>
         </pc:spChg>
         <pc:spChg chg="add mod">
-          <ac:chgData name="Andrea Archetti" userId="291975a6-52d4-44d6-83c4-62271c88eb97" providerId="ADAL" clId="{50221FE2-3732-40EC-89C5-FD390CBB239C}" dt="2023-04-18T16:36:39.818" v="129" actId="1076"/>
+          <ac:chgData name="Andrea Archetti" userId="291975a6-52d4-44d6-83c4-62271c88eb97" providerId="ADAL" clId="{50221FE2-3732-40EC-89C5-FD390CBB239C}" dt="2023-04-18T20:49:37.957" v="187" actId="1076"/>
           <ac:spMkLst>
             <pc:docMk/>
             <pc:sldMk cId="315832427" sldId="258"/>
@@ -317,7 +327,7 @@
           </ac:spMkLst>
         </pc:spChg>
         <pc:spChg chg="add mod">
-          <ac:chgData name="Andrea Archetti" userId="291975a6-52d4-44d6-83c4-62271c88eb97" providerId="ADAL" clId="{50221FE2-3732-40EC-89C5-FD390CBB239C}" dt="2023-04-18T16:36:39.818" v="129" actId="1076"/>
+          <ac:chgData name="Andrea Archetti" userId="291975a6-52d4-44d6-83c4-62271c88eb97" providerId="ADAL" clId="{50221FE2-3732-40EC-89C5-FD390CBB239C}" dt="2023-04-18T20:49:37.957" v="187" actId="1076"/>
           <ac:spMkLst>
             <pc:docMk/>
             <pc:sldMk cId="315832427" sldId="258"/>
@@ -349,7 +359,7 @@
           </ac:picMkLst>
         </pc:picChg>
         <pc:picChg chg="add mod">
-          <ac:chgData name="Andrea Archetti" userId="291975a6-52d4-44d6-83c4-62271c88eb97" providerId="ADAL" clId="{50221FE2-3732-40EC-89C5-FD390CBB239C}" dt="2023-04-18T16:36:39.818" v="129" actId="1076"/>
+          <ac:chgData name="Andrea Archetti" userId="291975a6-52d4-44d6-83c4-62271c88eb97" providerId="ADAL" clId="{50221FE2-3732-40EC-89C5-FD390CBB239C}" dt="2023-04-18T20:50:10.905" v="189" actId="1076"/>
           <ac:picMkLst>
             <pc:docMk/>
             <pc:sldMk cId="315832427" sldId="258"/>
@@ -357,7 +367,7 @@
           </ac:picMkLst>
         </pc:picChg>
         <pc:picChg chg="add mod">
-          <ac:chgData name="Andrea Archetti" userId="291975a6-52d4-44d6-83c4-62271c88eb97" providerId="ADAL" clId="{50221FE2-3732-40EC-89C5-FD390CBB239C}" dt="2023-04-18T16:36:39.818" v="129" actId="1076"/>
+          <ac:chgData name="Andrea Archetti" userId="291975a6-52d4-44d6-83c4-62271c88eb97" providerId="ADAL" clId="{50221FE2-3732-40EC-89C5-FD390CBB239C}" dt="2023-04-18T20:49:37.957" v="187" actId="1076"/>
           <ac:picMkLst>
             <pc:docMk/>
             <pc:sldMk cId="315832427" sldId="258"/>
@@ -365,7 +375,7 @@
           </ac:picMkLst>
         </pc:picChg>
         <pc:picChg chg="add mod">
-          <ac:chgData name="Andrea Archetti" userId="291975a6-52d4-44d6-83c4-62271c88eb97" providerId="ADAL" clId="{50221FE2-3732-40EC-89C5-FD390CBB239C}" dt="2023-04-18T16:36:39.818" v="129" actId="1076"/>
+          <ac:chgData name="Andrea Archetti" userId="291975a6-52d4-44d6-83c4-62271c88eb97" providerId="ADAL" clId="{50221FE2-3732-40EC-89C5-FD390CBB239C}" dt="2023-04-18T20:49:37.957" v="187" actId="1076"/>
           <ac:picMkLst>
             <pc:docMk/>
             <pc:sldMk cId="315832427" sldId="258"/>
@@ -373,14 +383,14 @@
           </ac:picMkLst>
         </pc:picChg>
       </pc:sldChg>
-      <pc:sldChg chg="addSp delSp modSp new mod ord">
-        <pc:chgData name="Andrea Archetti" userId="291975a6-52d4-44d6-83c4-62271c88eb97" providerId="ADAL" clId="{50221FE2-3732-40EC-89C5-FD390CBB239C}" dt="2023-04-18T16:43:31.632" v="151"/>
+      <pc:sldChg chg="addSp delSp modSp new del mod ord">
+        <pc:chgData name="Andrea Archetti" userId="291975a6-52d4-44d6-83c4-62271c88eb97" providerId="ADAL" clId="{50221FE2-3732-40EC-89C5-FD390CBB239C}" dt="2023-04-18T22:54:52.448" v="320" actId="47"/>
         <pc:sldMkLst>
           <pc:docMk/>
           <pc:sldMk cId="3896038605" sldId="259"/>
         </pc:sldMkLst>
         <pc:spChg chg="mod">
-          <ac:chgData name="Andrea Archetti" userId="291975a6-52d4-44d6-83c4-62271c88eb97" providerId="ADAL" clId="{50221FE2-3732-40EC-89C5-FD390CBB239C}" dt="2023-04-18T16:33:19.198" v="113" actId="27636"/>
+          <ac:chgData name="Andrea Archetti" userId="291975a6-52d4-44d6-83c4-62271c88eb97" providerId="ADAL" clId="{50221FE2-3732-40EC-89C5-FD390CBB239C}" dt="2023-04-18T21:03:00.340" v="227"/>
           <ac:spMkLst>
             <pc:docMk/>
             <pc:sldMk cId="3896038605" sldId="259"/>
@@ -412,23 +422,39 @@
           </ac:picMkLst>
         </pc:picChg>
       </pc:sldChg>
-      <pc:sldChg chg="modSp new mod">
-        <pc:chgData name="Andrea Archetti" userId="291975a6-52d4-44d6-83c4-62271c88eb97" providerId="ADAL" clId="{50221FE2-3732-40EC-89C5-FD390CBB239C}" dt="2023-04-18T16:33:24.291" v="118" actId="27636"/>
+      <pc:sldChg chg="addSp delSp modSp new mod">
+        <pc:chgData name="Andrea Archetti" userId="291975a6-52d4-44d6-83c4-62271c88eb97" providerId="ADAL" clId="{50221FE2-3732-40EC-89C5-FD390CBB239C}" dt="2023-04-18T22:47:34.591" v="277" actId="20577"/>
         <pc:sldMkLst>
           <pc:docMk/>
           <pc:sldMk cId="2661837193" sldId="260"/>
         </pc:sldMkLst>
         <pc:spChg chg="mod">
-          <ac:chgData name="Andrea Archetti" userId="291975a6-52d4-44d6-83c4-62271c88eb97" providerId="ADAL" clId="{50221FE2-3732-40EC-89C5-FD390CBB239C}" dt="2023-04-18T16:33:24.291" v="118" actId="27636"/>
+          <ac:chgData name="Andrea Archetti" userId="291975a6-52d4-44d6-83c4-62271c88eb97" providerId="ADAL" clId="{50221FE2-3732-40EC-89C5-FD390CBB239C}" dt="2023-04-18T22:47:34.591" v="277" actId="20577"/>
           <ac:spMkLst>
             <pc:docMk/>
             <pc:sldMk cId="2661837193" sldId="260"/>
             <ac:spMk id="2" creationId="{45778166-596D-6EF3-517B-3630072192EA}"/>
           </ac:spMkLst>
         </pc:spChg>
+        <pc:spChg chg="del">
+          <ac:chgData name="Andrea Archetti" userId="291975a6-52d4-44d6-83c4-62271c88eb97" providerId="ADAL" clId="{50221FE2-3732-40EC-89C5-FD390CBB239C}" dt="2023-04-18T22:45:00.825" v="248" actId="478"/>
+          <ac:spMkLst>
+            <pc:docMk/>
+            <pc:sldMk cId="2661837193" sldId="260"/>
+            <ac:spMk id="3" creationId="{76147F5F-7C2E-7149-5892-DE1E2C5FF6A8}"/>
+          </ac:spMkLst>
+        </pc:spChg>
+        <pc:picChg chg="add mod">
+          <ac:chgData name="Andrea Archetti" userId="291975a6-52d4-44d6-83c4-62271c88eb97" providerId="ADAL" clId="{50221FE2-3732-40EC-89C5-FD390CBB239C}" dt="2023-04-18T22:45:49.497" v="254" actId="1076"/>
+          <ac:picMkLst>
+            <pc:docMk/>
+            <pc:sldMk cId="2661837193" sldId="260"/>
+            <ac:picMk id="5" creationId="{C8DEEEEA-D5F3-F05F-20FD-91F95E505226}"/>
+          </ac:picMkLst>
+        </pc:picChg>
       </pc:sldChg>
-      <pc:sldChg chg="modSp new mod">
-        <pc:chgData name="Andrea Archetti" userId="291975a6-52d4-44d6-83c4-62271c88eb97" providerId="ADAL" clId="{50221FE2-3732-40EC-89C5-FD390CBB239C}" dt="2023-04-18T16:33:31.295" v="121" actId="21"/>
+      <pc:sldChg chg="modSp new del mod">
+        <pc:chgData name="Andrea Archetti" userId="291975a6-52d4-44d6-83c4-62271c88eb97" providerId="ADAL" clId="{50221FE2-3732-40EC-89C5-FD390CBB239C}" dt="2023-04-18T22:54:58.085" v="321" actId="47"/>
         <pc:sldMkLst>
           <pc:docMk/>
           <pc:sldMk cId="636390196" sldId="261"/>
@@ -442,14 +468,14 @@
           </ac:spMkLst>
         </pc:spChg>
       </pc:sldChg>
-      <pc:sldChg chg="modSp new mod">
-        <pc:chgData name="Andrea Archetti" userId="291975a6-52d4-44d6-83c4-62271c88eb97" providerId="ADAL" clId="{50221FE2-3732-40EC-89C5-FD390CBB239C}" dt="2023-04-18T17:30:28.752" v="152"/>
+      <pc:sldChg chg="addSp delSp modSp new del mod">
+        <pc:chgData name="Andrea Archetti" userId="291975a6-52d4-44d6-83c4-62271c88eb97" providerId="ADAL" clId="{50221FE2-3732-40EC-89C5-FD390CBB239C}" dt="2023-04-18T23:06:31.674" v="419" actId="2696"/>
         <pc:sldMkLst>
           <pc:docMk/>
           <pc:sldMk cId="2096058464" sldId="262"/>
         </pc:sldMkLst>
-        <pc:spChg chg="mod">
-          <ac:chgData name="Andrea Archetti" userId="291975a6-52d4-44d6-83c4-62271c88eb97" providerId="ADAL" clId="{50221FE2-3732-40EC-89C5-FD390CBB239C}" dt="2023-04-18T16:33:34.886" v="123"/>
+        <pc:spChg chg="del mod">
+          <ac:chgData name="Andrea Archetti" userId="291975a6-52d4-44d6-83c4-62271c88eb97" providerId="ADAL" clId="{50221FE2-3732-40EC-89C5-FD390CBB239C}" dt="2023-04-18T23:06:28.476" v="418" actId="478"/>
           <ac:spMkLst>
             <pc:docMk/>
             <pc:sldMk cId="2096058464" sldId="262"/>
@@ -457,20 +483,36 @@
           </ac:spMkLst>
         </pc:spChg>
         <pc:spChg chg="mod">
-          <ac:chgData name="Andrea Archetti" userId="291975a6-52d4-44d6-83c4-62271c88eb97" providerId="ADAL" clId="{50221FE2-3732-40EC-89C5-FD390CBB239C}" dt="2023-04-18T17:30:28.752" v="152"/>
+          <ac:chgData name="Andrea Archetti" userId="291975a6-52d4-44d6-83c4-62271c88eb97" providerId="ADAL" clId="{50221FE2-3732-40EC-89C5-FD390CBB239C}" dt="2023-04-18T23:06:26.693" v="416" actId="20577"/>
           <ac:spMkLst>
             <pc:docMk/>
             <pc:sldMk cId="2096058464" sldId="262"/>
             <ac:spMk id="3" creationId="{DAA03F16-C20E-E86C-51ED-AD5D52427EBD}"/>
           </ac:spMkLst>
         </pc:spChg>
+        <pc:spChg chg="add mod">
+          <ac:chgData name="Andrea Archetti" userId="291975a6-52d4-44d6-83c4-62271c88eb97" providerId="ADAL" clId="{50221FE2-3732-40EC-89C5-FD390CBB239C}" dt="2023-04-18T23:06:28.476" v="418" actId="478"/>
+          <ac:spMkLst>
+            <pc:docMk/>
+            <pc:sldMk cId="2096058464" sldId="262"/>
+            <ac:spMk id="5" creationId="{819EDA58-6D18-357C-9B33-3BB9D3DB4551}"/>
+          </ac:spMkLst>
+        </pc:spChg>
       </pc:sldChg>
       <pc:sldChg chg="addSp delSp modSp add mod ord">
-        <pc:chgData name="Andrea Archetti" userId="291975a6-52d4-44d6-83c4-62271c88eb97" providerId="ADAL" clId="{50221FE2-3732-40EC-89C5-FD390CBB239C}" dt="2023-04-18T16:43:16.701" v="148" actId="1076"/>
+        <pc:chgData name="Andrea Archetti" userId="291975a6-52d4-44d6-83c4-62271c88eb97" providerId="ADAL" clId="{50221FE2-3732-40EC-89C5-FD390CBB239C}" dt="2023-04-18T21:02:51.150" v="226" actId="20577"/>
         <pc:sldMkLst>
           <pc:docMk/>
           <pc:sldMk cId="1711746420" sldId="263"/>
         </pc:sldMkLst>
+        <pc:spChg chg="mod">
+          <ac:chgData name="Andrea Archetti" userId="291975a6-52d4-44d6-83c4-62271c88eb97" providerId="ADAL" clId="{50221FE2-3732-40EC-89C5-FD390CBB239C}" dt="2023-04-18T21:02:51.150" v="226" actId="20577"/>
+          <ac:spMkLst>
+            <pc:docMk/>
+            <pc:sldMk cId="1711746420" sldId="263"/>
+            <ac:spMk id="2" creationId="{EC93A25C-7D36-E5A9-45A2-4EE597110AE1}"/>
+          </ac:spMkLst>
+        </pc:spChg>
         <pc:spChg chg="add mod">
           <ac:chgData name="Andrea Archetti" userId="291975a6-52d4-44d6-83c4-62271c88eb97" providerId="ADAL" clId="{50221FE2-3732-40EC-89C5-FD390CBB239C}" dt="2023-04-18T16:43:16.701" v="148" actId="1076"/>
           <ac:spMkLst>
@@ -509,6 +551,286 @@
             <pc:docMk/>
             <pc:sldMk cId="1711746420" sldId="263"/>
             <ac:picMk id="7" creationId="{7DBDFC85-0FC8-5687-5F42-1EE276099B53}"/>
+          </ac:picMkLst>
+        </pc:picChg>
+      </pc:sldChg>
+      <pc:sldChg chg="addSp delSp modSp add mod">
+        <pc:chgData name="Andrea Archetti" userId="291975a6-52d4-44d6-83c4-62271c88eb97" providerId="ADAL" clId="{50221FE2-3732-40EC-89C5-FD390CBB239C}" dt="2023-04-18T22:49:53.916" v="307" actId="14100"/>
+        <pc:sldMkLst>
+          <pc:docMk/>
+          <pc:sldMk cId="2976984935" sldId="264"/>
+        </pc:sldMkLst>
+        <pc:picChg chg="add mod">
+          <ac:chgData name="Andrea Archetti" userId="291975a6-52d4-44d6-83c4-62271c88eb97" providerId="ADAL" clId="{50221FE2-3732-40EC-89C5-FD390CBB239C}" dt="2023-04-18T22:49:53.916" v="307" actId="14100"/>
+          <ac:picMkLst>
+            <pc:docMk/>
+            <pc:sldMk cId="2976984935" sldId="264"/>
+            <ac:picMk id="4" creationId="{DE4652B3-40D5-6C9A-A559-C13E07FA591E}"/>
+          </ac:picMkLst>
+        </pc:picChg>
+        <pc:picChg chg="del">
+          <ac:chgData name="Andrea Archetti" userId="291975a6-52d4-44d6-83c4-62271c88eb97" providerId="ADAL" clId="{50221FE2-3732-40EC-89C5-FD390CBB239C}" dt="2023-04-18T22:47:20.047" v="265" actId="478"/>
+          <ac:picMkLst>
+            <pc:docMk/>
+            <pc:sldMk cId="2976984935" sldId="264"/>
+            <ac:picMk id="5" creationId="{C8DEEEEA-D5F3-F05F-20FD-91F95E505226}"/>
+          </ac:picMkLst>
+        </pc:picChg>
+        <pc:picChg chg="add mod">
+          <ac:chgData name="Andrea Archetti" userId="291975a6-52d4-44d6-83c4-62271c88eb97" providerId="ADAL" clId="{50221FE2-3732-40EC-89C5-FD390CBB239C}" dt="2023-04-18T22:49:47.251" v="305" actId="1076"/>
+          <ac:picMkLst>
+            <pc:docMk/>
+            <pc:sldMk cId="2976984935" sldId="264"/>
+            <ac:picMk id="7" creationId="{FB741B6F-F86F-2AA9-EF8B-5CD2BCE62EDE}"/>
+          </ac:picMkLst>
+        </pc:picChg>
+      </pc:sldChg>
+      <pc:sldChg chg="addSp delSp modSp add mod">
+        <pc:chgData name="Andrea Archetti" userId="291975a6-52d4-44d6-83c4-62271c88eb97" providerId="ADAL" clId="{50221FE2-3732-40EC-89C5-FD390CBB239C}" dt="2023-04-18T22:56:23.592" v="352" actId="20577"/>
+        <pc:sldMkLst>
+          <pc:docMk/>
+          <pc:sldMk cId="1058041980" sldId="265"/>
+        </pc:sldMkLst>
+        <pc:spChg chg="mod">
+          <ac:chgData name="Andrea Archetti" userId="291975a6-52d4-44d6-83c4-62271c88eb97" providerId="ADAL" clId="{50221FE2-3732-40EC-89C5-FD390CBB239C}" dt="2023-04-18T22:56:23.592" v="352" actId="20577"/>
+          <ac:spMkLst>
+            <pc:docMk/>
+            <pc:sldMk cId="1058041980" sldId="265"/>
+            <ac:spMk id="2" creationId="{45778166-596D-6EF3-517B-3630072192EA}"/>
+          </ac:spMkLst>
+        </pc:spChg>
+        <pc:picChg chg="add del mod">
+          <ac:chgData name="Andrea Archetti" userId="291975a6-52d4-44d6-83c4-62271c88eb97" providerId="ADAL" clId="{50221FE2-3732-40EC-89C5-FD390CBB239C}" dt="2023-04-18T22:54:06.144" v="310" actId="478"/>
+          <ac:picMkLst>
+            <pc:docMk/>
+            <pc:sldMk cId="1058041980" sldId="265"/>
+            <ac:picMk id="4" creationId="{181A6928-F48B-1F2E-7D6E-C573A21AFADE}"/>
+          </ac:picMkLst>
+        </pc:picChg>
+        <pc:picChg chg="del">
+          <ac:chgData name="Andrea Archetti" userId="291975a6-52d4-44d6-83c4-62271c88eb97" providerId="ADAL" clId="{50221FE2-3732-40EC-89C5-FD390CBB239C}" dt="2023-04-18T22:45:57.295" v="258" actId="478"/>
+          <ac:picMkLst>
+            <pc:docMk/>
+            <pc:sldMk cId="1058041980" sldId="265"/>
+            <ac:picMk id="5" creationId="{C8DEEEEA-D5F3-F05F-20FD-91F95E505226}"/>
+          </ac:picMkLst>
+        </pc:picChg>
+        <pc:picChg chg="add mod">
+          <ac:chgData name="Andrea Archetti" userId="291975a6-52d4-44d6-83c4-62271c88eb97" providerId="ADAL" clId="{50221FE2-3732-40EC-89C5-FD390CBB239C}" dt="2023-04-18T22:54:39.453" v="319" actId="1076"/>
+          <ac:picMkLst>
+            <pc:docMk/>
+            <pc:sldMk cId="1058041980" sldId="265"/>
+            <ac:picMk id="7" creationId="{86A5FDD9-EC76-E0E8-0A95-DDF1AC795C95}"/>
+          </ac:picMkLst>
+        </pc:picChg>
+        <pc:picChg chg="add mod">
+          <ac:chgData name="Andrea Archetti" userId="291975a6-52d4-44d6-83c4-62271c88eb97" providerId="ADAL" clId="{50221FE2-3732-40EC-89C5-FD390CBB239C}" dt="2023-04-18T22:54:37.912" v="318" actId="1076"/>
+          <ac:picMkLst>
+            <pc:docMk/>
+            <pc:sldMk cId="1058041980" sldId="265"/>
+            <ac:picMk id="9" creationId="{A92ED0AE-E1F7-4171-62E1-C9C8B6D5F5AB}"/>
+          </ac:picMkLst>
+        </pc:picChg>
+      </pc:sldChg>
+      <pc:sldChg chg="addSp delSp modSp add mod ord">
+        <pc:chgData name="Andrea Archetti" userId="291975a6-52d4-44d6-83c4-62271c88eb97" providerId="ADAL" clId="{50221FE2-3732-40EC-89C5-FD390CBB239C}" dt="2023-04-18T22:47:53.383" v="291" actId="1076"/>
+        <pc:sldMkLst>
+          <pc:docMk/>
+          <pc:sldMk cId="2357623399" sldId="266"/>
+        </pc:sldMkLst>
+        <pc:spChg chg="mod">
+          <ac:chgData name="Andrea Archetti" userId="291975a6-52d4-44d6-83c4-62271c88eb97" providerId="ADAL" clId="{50221FE2-3732-40EC-89C5-FD390CBB239C}" dt="2023-04-18T22:47:49.695" v="290" actId="20577"/>
+          <ac:spMkLst>
+            <pc:docMk/>
+            <pc:sldMk cId="2357623399" sldId="266"/>
+            <ac:spMk id="2" creationId="{45778166-596D-6EF3-517B-3630072192EA}"/>
+          </ac:spMkLst>
+        </pc:spChg>
+        <pc:picChg chg="add mod">
+          <ac:chgData name="Andrea Archetti" userId="291975a6-52d4-44d6-83c4-62271c88eb97" providerId="ADAL" clId="{50221FE2-3732-40EC-89C5-FD390CBB239C}" dt="2023-04-18T22:47:53.383" v="291" actId="1076"/>
+          <ac:picMkLst>
+            <pc:docMk/>
+            <pc:sldMk cId="2357623399" sldId="266"/>
+            <ac:picMk id="4" creationId="{6A4D508F-F7A9-3880-6200-BAA4DD900AB8}"/>
+          </ac:picMkLst>
+        </pc:picChg>
+        <pc:picChg chg="del">
+          <ac:chgData name="Andrea Archetti" userId="291975a6-52d4-44d6-83c4-62271c88eb97" providerId="ADAL" clId="{50221FE2-3732-40EC-89C5-FD390CBB239C}" dt="2023-04-18T22:45:59.486" v="259" actId="478"/>
+          <ac:picMkLst>
+            <pc:docMk/>
+            <pc:sldMk cId="2357623399" sldId="266"/>
+            <ac:picMk id="5" creationId="{C8DEEEEA-D5F3-F05F-20FD-91F95E505226}"/>
+          </ac:picMkLst>
+        </pc:picChg>
+      </pc:sldChg>
+      <pc:sldChg chg="addSp delSp modSp new mod">
+        <pc:chgData name="Andrea Archetti" userId="291975a6-52d4-44d6-83c4-62271c88eb97" providerId="ADAL" clId="{50221FE2-3732-40EC-89C5-FD390CBB239C}" dt="2023-04-18T22:57:31.415" v="365"/>
+        <pc:sldMkLst>
+          <pc:docMk/>
+          <pc:sldMk cId="3030254985" sldId="267"/>
+        </pc:sldMkLst>
+        <pc:spChg chg="mod">
+          <ac:chgData name="Andrea Archetti" userId="291975a6-52d4-44d6-83c4-62271c88eb97" providerId="ADAL" clId="{50221FE2-3732-40EC-89C5-FD390CBB239C}" dt="2023-04-18T22:57:31.415" v="365"/>
+          <ac:spMkLst>
+            <pc:docMk/>
+            <pc:sldMk cId="3030254985" sldId="267"/>
+            <ac:spMk id="2" creationId="{4EC7B47C-4714-0785-AB25-16CE674B6477}"/>
+          </ac:spMkLst>
+        </pc:spChg>
+        <pc:spChg chg="del">
+          <ac:chgData name="Andrea Archetti" userId="291975a6-52d4-44d6-83c4-62271c88eb97" providerId="ADAL" clId="{50221FE2-3732-40EC-89C5-FD390CBB239C}" dt="2023-04-18T22:56:34.024" v="354" actId="478"/>
+          <ac:spMkLst>
+            <pc:docMk/>
+            <pc:sldMk cId="3030254985" sldId="267"/>
+            <ac:spMk id="3" creationId="{D1C7CE25-EFFD-CE8A-999A-415041400148}"/>
+          </ac:spMkLst>
+        </pc:spChg>
+        <pc:picChg chg="add mod">
+          <ac:chgData name="Andrea Archetti" userId="291975a6-52d4-44d6-83c4-62271c88eb97" providerId="ADAL" clId="{50221FE2-3732-40EC-89C5-FD390CBB239C}" dt="2023-04-18T22:57:22.338" v="364" actId="14100"/>
+          <ac:picMkLst>
+            <pc:docMk/>
+            <pc:sldMk cId="3030254985" sldId="267"/>
+            <ac:picMk id="5" creationId="{8D6FC01B-5A33-2ECC-9A53-6B131D585274}"/>
+          </ac:picMkLst>
+        </pc:picChg>
+        <pc:picChg chg="add mod">
+          <ac:chgData name="Andrea Archetti" userId="291975a6-52d4-44d6-83c4-62271c88eb97" providerId="ADAL" clId="{50221FE2-3732-40EC-89C5-FD390CBB239C}" dt="2023-04-18T22:57:11.338" v="363" actId="1076"/>
+          <ac:picMkLst>
+            <pc:docMk/>
+            <pc:sldMk cId="3030254985" sldId="267"/>
+            <ac:picMk id="7" creationId="{6EBCAB9C-8058-4669-8767-3F40F23F4B5D}"/>
+          </ac:picMkLst>
+        </pc:picChg>
+      </pc:sldChg>
+      <pc:sldChg chg="addSp delSp modSp new mod">
+        <pc:chgData name="Andrea Archetti" userId="291975a6-52d4-44d6-83c4-62271c88eb97" providerId="ADAL" clId="{50221FE2-3732-40EC-89C5-FD390CBB239C}" dt="2023-04-18T23:01:14.913" v="389" actId="1076"/>
+        <pc:sldMkLst>
+          <pc:docMk/>
+          <pc:sldMk cId="4065062744" sldId="268"/>
+        </pc:sldMkLst>
+        <pc:spChg chg="mod">
+          <ac:chgData name="Andrea Archetti" userId="291975a6-52d4-44d6-83c4-62271c88eb97" providerId="ADAL" clId="{50221FE2-3732-40EC-89C5-FD390CBB239C}" dt="2023-04-18T23:00:17.361" v="378" actId="20577"/>
+          <ac:spMkLst>
+            <pc:docMk/>
+            <pc:sldMk cId="4065062744" sldId="268"/>
+            <ac:spMk id="2" creationId="{B7B27CCE-AE7C-1C3A-3864-FFC6214CA709}"/>
+          </ac:spMkLst>
+        </pc:spChg>
+        <pc:spChg chg="del">
+          <ac:chgData name="Andrea Archetti" userId="291975a6-52d4-44d6-83c4-62271c88eb97" providerId="ADAL" clId="{50221FE2-3732-40EC-89C5-FD390CBB239C}" dt="2023-04-18T23:00:20.584" v="379" actId="478"/>
+          <ac:spMkLst>
+            <pc:docMk/>
+            <pc:sldMk cId="4065062744" sldId="268"/>
+            <ac:spMk id="3" creationId="{4DC0795C-C5BB-3D13-871B-63AECBC06B90}"/>
+          </ac:spMkLst>
+        </pc:spChg>
+        <pc:picChg chg="add del mod">
+          <ac:chgData name="Andrea Archetti" userId="291975a6-52d4-44d6-83c4-62271c88eb97" providerId="ADAL" clId="{50221FE2-3732-40EC-89C5-FD390CBB239C}" dt="2023-04-18T23:01:00.841" v="387" actId="478"/>
+          <ac:picMkLst>
+            <pc:docMk/>
+            <pc:sldMk cId="4065062744" sldId="268"/>
+            <ac:picMk id="5" creationId="{BF1E51BF-90F4-BDB0-6708-DF156647B78C}"/>
+          </ac:picMkLst>
+        </pc:picChg>
+        <pc:picChg chg="add mod">
+          <ac:chgData name="Andrea Archetti" userId="291975a6-52d4-44d6-83c4-62271c88eb97" providerId="ADAL" clId="{50221FE2-3732-40EC-89C5-FD390CBB239C}" dt="2023-04-18T23:01:14.913" v="389" actId="1076"/>
+          <ac:picMkLst>
+            <pc:docMk/>
+            <pc:sldMk cId="4065062744" sldId="268"/>
+            <ac:picMk id="7" creationId="{75EE6EAD-D83A-1B1D-5930-6BFE0601BCE1}"/>
+          </ac:picMkLst>
+        </pc:picChg>
+      </pc:sldChg>
+      <pc:sldChg chg="addSp delSp modSp add mod">
+        <pc:chgData name="Andrea Archetti" userId="291975a6-52d4-44d6-83c4-62271c88eb97" providerId="ADAL" clId="{50221FE2-3732-40EC-89C5-FD390CBB239C}" dt="2023-04-18T23:03:10.023" v="403" actId="1076"/>
+        <pc:sldMkLst>
+          <pc:docMk/>
+          <pc:sldMk cId="2040706579" sldId="269"/>
+        </pc:sldMkLst>
+        <pc:spChg chg="mod">
+          <ac:chgData name="Andrea Archetti" userId="291975a6-52d4-44d6-83c4-62271c88eb97" providerId="ADAL" clId="{50221FE2-3732-40EC-89C5-FD390CBB239C}" dt="2023-04-18T23:02:27.026" v="397" actId="1076"/>
+          <ac:spMkLst>
+            <pc:docMk/>
+            <pc:sldMk cId="2040706579" sldId="269"/>
+            <ac:spMk id="2" creationId="{B7B27CCE-AE7C-1C3A-3864-FFC6214CA709}"/>
+          </ac:spMkLst>
+        </pc:spChg>
+        <pc:picChg chg="add del mod">
+          <ac:chgData name="Andrea Archetti" userId="291975a6-52d4-44d6-83c4-62271c88eb97" providerId="ADAL" clId="{50221FE2-3732-40EC-89C5-FD390CBB239C}" dt="2023-04-18T23:02:26.569" v="396" actId="478"/>
+          <ac:picMkLst>
+            <pc:docMk/>
+            <pc:sldMk cId="2040706579" sldId="269"/>
+            <ac:picMk id="4" creationId="{E83F6F4D-35A7-53B2-89CF-0B0DED736C71}"/>
+          </ac:picMkLst>
+        </pc:picChg>
+        <pc:picChg chg="add del">
+          <ac:chgData name="Andrea Archetti" userId="291975a6-52d4-44d6-83c4-62271c88eb97" providerId="ADAL" clId="{50221FE2-3732-40EC-89C5-FD390CBB239C}" dt="2023-04-18T23:02:56.329" v="399" actId="478"/>
+          <ac:picMkLst>
+            <pc:docMk/>
+            <pc:sldMk cId="2040706579" sldId="269"/>
+            <ac:picMk id="6" creationId="{268A0C45-E211-A7C0-D71B-CDAC0507A084}"/>
+          </ac:picMkLst>
+        </pc:picChg>
+        <pc:picChg chg="del">
+          <ac:chgData name="Andrea Archetti" userId="291975a6-52d4-44d6-83c4-62271c88eb97" providerId="ADAL" clId="{50221FE2-3732-40EC-89C5-FD390CBB239C}" dt="2023-04-18T23:01:21.665" v="391" actId="478"/>
+          <ac:picMkLst>
+            <pc:docMk/>
+            <pc:sldMk cId="2040706579" sldId="269"/>
+            <ac:picMk id="7" creationId="{75EE6EAD-D83A-1B1D-5930-6BFE0601BCE1}"/>
+          </ac:picMkLst>
+        </pc:picChg>
+        <pc:picChg chg="add mod">
+          <ac:chgData name="Andrea Archetti" userId="291975a6-52d4-44d6-83c4-62271c88eb97" providerId="ADAL" clId="{50221FE2-3732-40EC-89C5-FD390CBB239C}" dt="2023-04-18T23:03:10.023" v="403" actId="1076"/>
+          <ac:picMkLst>
+            <pc:docMk/>
+            <pc:sldMk cId="2040706579" sldId="269"/>
+            <ac:picMk id="9" creationId="{71B1A449-90F6-A66A-381D-F24C5348021F}"/>
+          </ac:picMkLst>
+        </pc:picChg>
+      </pc:sldChg>
+      <pc:sldChg chg="addSp modSp add mod">
+        <pc:chgData name="Andrea Archetti" userId="291975a6-52d4-44d6-83c4-62271c88eb97" providerId="ADAL" clId="{50221FE2-3732-40EC-89C5-FD390CBB239C}" dt="2023-04-18T23:03:34.433" v="406" actId="1076"/>
+        <pc:sldMkLst>
+          <pc:docMk/>
+          <pc:sldMk cId="1540089929" sldId="270"/>
+        </pc:sldMkLst>
+        <pc:picChg chg="add mod">
+          <ac:chgData name="Andrea Archetti" userId="291975a6-52d4-44d6-83c4-62271c88eb97" providerId="ADAL" clId="{50221FE2-3732-40EC-89C5-FD390CBB239C}" dt="2023-04-18T23:03:34.433" v="406" actId="1076"/>
+          <ac:picMkLst>
+            <pc:docMk/>
+            <pc:sldMk cId="1540089929" sldId="270"/>
+            <ac:picMk id="4" creationId="{CE2143DD-1B02-CB62-64A2-CCF31F29FB96}"/>
+          </ac:picMkLst>
+        </pc:picChg>
+      </pc:sldChg>
+      <pc:sldChg chg="addSp delSp modSp add mod">
+        <pc:chgData name="Andrea Archetti" userId="291975a6-52d4-44d6-83c4-62271c88eb97" providerId="ADAL" clId="{50221FE2-3732-40EC-89C5-FD390CBB239C}" dt="2023-04-18T23:06:13.003" v="415" actId="1076"/>
+        <pc:sldMkLst>
+          <pc:docMk/>
+          <pc:sldMk cId="3559148064" sldId="271"/>
+        </pc:sldMkLst>
+        <pc:picChg chg="del">
+          <ac:chgData name="Andrea Archetti" userId="291975a6-52d4-44d6-83c4-62271c88eb97" providerId="ADAL" clId="{50221FE2-3732-40EC-89C5-FD390CBB239C}" dt="2023-04-18T23:05:29.202" v="408" actId="478"/>
+          <ac:picMkLst>
+            <pc:docMk/>
+            <pc:sldMk cId="3559148064" sldId="271"/>
+            <ac:picMk id="4" creationId="{CE2143DD-1B02-CB62-64A2-CCF31F29FB96}"/>
+          </ac:picMkLst>
+        </pc:picChg>
+        <pc:picChg chg="add mod">
+          <ac:chgData name="Andrea Archetti" userId="291975a6-52d4-44d6-83c4-62271c88eb97" providerId="ADAL" clId="{50221FE2-3732-40EC-89C5-FD390CBB239C}" dt="2023-04-18T23:06:13.003" v="415" actId="1076"/>
+          <ac:picMkLst>
+            <pc:docMk/>
+            <pc:sldMk cId="3559148064" sldId="271"/>
+            <ac:picMk id="5" creationId="{8936E5B8-7DC7-ED01-C308-0A1556CEF8A2}"/>
+          </ac:picMkLst>
+        </pc:picChg>
+        <pc:picChg chg="add mod">
+          <ac:chgData name="Andrea Archetti" userId="291975a6-52d4-44d6-83c4-62271c88eb97" providerId="ADAL" clId="{50221FE2-3732-40EC-89C5-FD390CBB239C}" dt="2023-04-18T23:06:10.211" v="414" actId="1076"/>
+          <ac:picMkLst>
+            <pc:docMk/>
+            <pc:sldMk cId="3559148064" sldId="271"/>
+            <ac:picMk id="7" creationId="{AA3FB4AE-561D-70B4-2F1A-F3D941DDDF49}"/>
           </ac:picMkLst>
         </pc:picChg>
       </pc:sldChg>
@@ -3756,11 +4078,7 @@
           <a:p>
             <a:r>
               <a:rPr lang="en-GB" dirty="0"/>
-              <a:t>1- dynamic </a:t>
-            </a:r>
-            <a:r>
-              <a:rPr lang="en-GB" dirty="0" err="1"/>
-              <a:t>eq</a:t>
+              <a:t>Dynamic Linearised Equations</a:t>
             </a:r>
             <a:endParaRPr lang="it-IT" dirty="0"/>
           </a:p>
@@ -3788,7 +4106,7 @@
         </p:blipFill>
         <p:spPr>
           <a:xfrm>
-            <a:off x="838200" y="1829702"/>
+            <a:off x="838200" y="2125843"/>
             <a:ext cx="3658111" cy="714475"/>
           </a:xfrm>
           <a:prstGeom prst="rect">
@@ -3818,7 +4136,7 @@
         </p:blipFill>
         <p:spPr>
           <a:xfrm>
-            <a:off x="6604003" y="1948781"/>
+            <a:off x="6019765" y="2244923"/>
             <a:ext cx="4229690" cy="1190791"/>
           </a:xfrm>
           <a:prstGeom prst="rect">
@@ -3840,8 +4158,8 @@
         </p:nvSpPr>
         <p:spPr>
           <a:xfrm>
-            <a:off x="7998716" y="1554480"/>
-            <a:ext cx="1134734" cy="369332"/>
+            <a:off x="7838400" y="1400101"/>
+            <a:ext cx="1652504" cy="369332"/>
           </a:xfrm>
           <a:prstGeom prst="rect">
             <a:avLst/>
@@ -3855,8 +4173,8 @@
           <a:lstStyle/>
           <a:p>
             <a:r>
-              <a:rPr lang="en-GB" dirty="0" err="1"/>
-              <a:t>Continuos</a:t>
+              <a:rPr lang="en-GB" dirty="0"/>
+              <a:t>Continues Time</a:t>
             </a:r>
             <a:endParaRPr lang="it-IT" dirty="0"/>
           </a:p>
@@ -3884,7 +4202,7 @@
         </p:blipFill>
         <p:spPr>
           <a:xfrm>
-            <a:off x="6180081" y="4912908"/>
+            <a:off x="6019765" y="4525404"/>
             <a:ext cx="5077534" cy="1238423"/>
           </a:xfrm>
           <a:prstGeom prst="rect">
@@ -3906,7 +4224,7 @@
         </p:nvSpPr>
         <p:spPr>
           <a:xfrm>
-            <a:off x="8151453" y="4298708"/>
+            <a:off x="7838400" y="3911204"/>
             <a:ext cx="2682240" cy="369332"/>
           </a:xfrm>
           <a:prstGeom prst="rect">
@@ -3922,7 +4240,7 @@
           <a:p>
             <a:r>
               <a:rPr lang="en-GB" dirty="0"/>
-              <a:t>Discrete</a:t>
+              <a:t>Discrete Time</a:t>
             </a:r>
             <a:endParaRPr lang="it-IT" dirty="0"/>
           </a:p>
@@ -3932,6 +4250,278 @@
     <p:extLst>
       <p:ext uri="{BB962C8B-B14F-4D97-AF65-F5344CB8AC3E}">
         <p14:creationId xmlns:p14="http://schemas.microsoft.com/office/powerpoint/2010/main" val="315832427"/>
+      </p:ext>
+    </p:extLst>
+  </p:cSld>
+  <p:clrMapOvr>
+    <a:masterClrMapping/>
+  </p:clrMapOvr>
+</p:sld>
+</file>
+
+<file path=ppt/slides/slide10.xml><?xml version="1.0" encoding="utf-8"?>
+<p:sld xmlns:a="http://schemas.openxmlformats.org/drawingml/2006/main" xmlns:r="http://schemas.openxmlformats.org/officeDocument/2006/relationships" xmlns:p="http://schemas.openxmlformats.org/presentationml/2006/main">
+  <p:cSld>
+    <p:spTree>
+      <p:nvGrpSpPr>
+        <p:cNvPr id="1" name=""/>
+        <p:cNvGrpSpPr/>
+        <p:nvPr/>
+      </p:nvGrpSpPr>
+      <p:grpSpPr>
+        <a:xfrm>
+          <a:off x="0" y="0"/>
+          <a:ext cx="0" cy="0"/>
+          <a:chOff x="0" y="0"/>
+          <a:chExt cx="0" cy="0"/>
+        </a:xfrm>
+      </p:grpSpPr>
+      <p:sp>
+        <p:nvSpPr>
+          <p:cNvPr id="2" name="Titolo 1">
+            <a:extLst>
+              <a:ext uri="{FF2B5EF4-FFF2-40B4-BE49-F238E27FC236}">
+                <a16:creationId xmlns:a16="http://schemas.microsoft.com/office/drawing/2014/main" id="{45778166-596D-6EF3-517B-3630072192EA}"/>
+              </a:ext>
+            </a:extLst>
+          </p:cNvPr>
+          <p:cNvSpPr>
+            <a:spLocks noGrp="1"/>
+          </p:cNvSpPr>
+          <p:nvPr>
+            <p:ph type="title"/>
+          </p:nvPr>
+        </p:nvSpPr>
+        <p:spPr/>
+        <p:txBody>
+          <a:bodyPr>
+            <a:normAutofit/>
+          </a:bodyPr>
+          <a:lstStyle/>
+          <a:p>
+            <a:r>
+              <a:rPr lang="en-GB" dirty="0"/>
+              <a:t>Comparison non </a:t>
+            </a:r>
+            <a:r>
+              <a:rPr lang="en-GB" dirty="0" err="1"/>
+              <a:t>lin</a:t>
+            </a:r>
+            <a:r>
+              <a:rPr lang="en-GB" dirty="0"/>
+              <a:t> vs </a:t>
+            </a:r>
+            <a:r>
+              <a:rPr lang="en-GB" dirty="0" err="1"/>
+              <a:t>lin</a:t>
+            </a:r>
+            <a:r>
+              <a:rPr lang="en-GB" dirty="0"/>
+              <a:t> model</a:t>
+            </a:r>
+            <a:endParaRPr lang="it-IT" dirty="0"/>
+          </a:p>
+        </p:txBody>
+      </p:sp>
+      <p:pic>
+        <p:nvPicPr>
+          <p:cNvPr id="7" name="Immagine 6">
+            <a:extLst>
+              <a:ext uri="{FF2B5EF4-FFF2-40B4-BE49-F238E27FC236}">
+                <a16:creationId xmlns:a16="http://schemas.microsoft.com/office/drawing/2014/main" id="{86A5FDD9-EC76-E0E8-0A95-DDF1AC795C95}"/>
+              </a:ext>
+            </a:extLst>
+          </p:cNvPr>
+          <p:cNvPicPr>
+            <a:picLocks noChangeAspect="1"/>
+          </p:cNvPicPr>
+          <p:nvPr/>
+        </p:nvPicPr>
+        <p:blipFill>
+          <a:blip r:embed="rId2"/>
+          <a:stretch>
+            <a:fillRect/>
+          </a:stretch>
+        </p:blipFill>
+        <p:spPr>
+          <a:xfrm>
+            <a:off x="681384" y="1690688"/>
+            <a:ext cx="5257800" cy="4224653"/>
+          </a:xfrm>
+          <a:prstGeom prst="rect">
+            <a:avLst/>
+          </a:prstGeom>
+        </p:spPr>
+      </p:pic>
+      <p:pic>
+        <p:nvPicPr>
+          <p:cNvPr id="9" name="Immagine 8">
+            <a:extLst>
+              <a:ext uri="{FF2B5EF4-FFF2-40B4-BE49-F238E27FC236}">
+                <a16:creationId xmlns:a16="http://schemas.microsoft.com/office/drawing/2014/main" id="{A92ED0AE-E1F7-4171-62E1-C9C8B6D5F5AB}"/>
+              </a:ext>
+            </a:extLst>
+          </p:cNvPr>
+          <p:cNvPicPr>
+            <a:picLocks noChangeAspect="1"/>
+          </p:cNvPicPr>
+          <p:nvPr/>
+        </p:nvPicPr>
+        <p:blipFill>
+          <a:blip r:embed="rId3"/>
+          <a:stretch>
+            <a:fillRect/>
+          </a:stretch>
+        </p:blipFill>
+        <p:spPr>
+          <a:xfrm>
+            <a:off x="6252817" y="1690688"/>
+            <a:ext cx="5334781" cy="4224653"/>
+          </a:xfrm>
+          <a:prstGeom prst="rect">
+            <a:avLst/>
+          </a:prstGeom>
+        </p:spPr>
+      </p:pic>
+    </p:spTree>
+    <p:extLst>
+      <p:ext uri="{BB962C8B-B14F-4D97-AF65-F5344CB8AC3E}">
+        <p14:creationId xmlns:p14="http://schemas.microsoft.com/office/powerpoint/2010/main" val="1058041980"/>
+      </p:ext>
+    </p:extLst>
+  </p:cSld>
+  <p:clrMapOvr>
+    <a:masterClrMapping/>
+  </p:clrMapOvr>
+</p:sld>
+</file>
+
+<file path=ppt/slides/slide11.xml><?xml version="1.0" encoding="utf-8"?>
+<p:sld xmlns:a="http://schemas.openxmlformats.org/drawingml/2006/main" xmlns:r="http://schemas.openxmlformats.org/officeDocument/2006/relationships" xmlns:p="http://schemas.openxmlformats.org/presentationml/2006/main">
+  <p:cSld>
+    <p:spTree>
+      <p:nvGrpSpPr>
+        <p:cNvPr id="1" name=""/>
+        <p:cNvGrpSpPr/>
+        <p:nvPr/>
+      </p:nvGrpSpPr>
+      <p:grpSpPr>
+        <a:xfrm>
+          <a:off x="0" y="0"/>
+          <a:ext cx="0" cy="0"/>
+          <a:chOff x="0" y="0"/>
+          <a:chExt cx="0" cy="0"/>
+        </a:xfrm>
+      </p:grpSpPr>
+      <p:sp>
+        <p:nvSpPr>
+          <p:cNvPr id="2" name="Titolo 1">
+            <a:extLst>
+              <a:ext uri="{FF2B5EF4-FFF2-40B4-BE49-F238E27FC236}">
+                <a16:creationId xmlns:a16="http://schemas.microsoft.com/office/drawing/2014/main" id="{4EC7B47C-4714-0785-AB25-16CE674B6477}"/>
+              </a:ext>
+            </a:extLst>
+          </p:cNvPr>
+          <p:cNvSpPr>
+            <a:spLocks noGrp="1"/>
+          </p:cNvSpPr>
+          <p:nvPr>
+            <p:ph type="title"/>
+          </p:nvPr>
+        </p:nvSpPr>
+        <p:spPr/>
+        <p:txBody>
+          <a:bodyPr/>
+          <a:lstStyle/>
+          <a:p>
+            <a:r>
+              <a:rPr lang="en-GB" dirty="0"/>
+              <a:t>Comparison non </a:t>
+            </a:r>
+            <a:r>
+              <a:rPr lang="en-GB" dirty="0" err="1"/>
+              <a:t>lin</a:t>
+            </a:r>
+            <a:r>
+              <a:rPr lang="en-GB" dirty="0"/>
+              <a:t> vs </a:t>
+            </a:r>
+            <a:r>
+              <a:rPr lang="en-GB" dirty="0" err="1"/>
+              <a:t>lin</a:t>
+            </a:r>
+            <a:r>
+              <a:rPr lang="en-GB" dirty="0"/>
+              <a:t> model</a:t>
+            </a:r>
+            <a:endParaRPr lang="it-IT" dirty="0"/>
+          </a:p>
+        </p:txBody>
+      </p:sp>
+      <p:pic>
+        <p:nvPicPr>
+          <p:cNvPr id="5" name="Immagine 4">
+            <a:extLst>
+              <a:ext uri="{FF2B5EF4-FFF2-40B4-BE49-F238E27FC236}">
+                <a16:creationId xmlns:a16="http://schemas.microsoft.com/office/drawing/2014/main" id="{8D6FC01B-5A33-2ECC-9A53-6B131D585274}"/>
+              </a:ext>
+            </a:extLst>
+          </p:cNvPr>
+          <p:cNvPicPr>
+            <a:picLocks noChangeAspect="1"/>
+          </p:cNvPicPr>
+          <p:nvPr/>
+        </p:nvPicPr>
+        <p:blipFill>
+          <a:blip r:embed="rId2"/>
+          <a:stretch>
+            <a:fillRect/>
+          </a:stretch>
+        </p:blipFill>
+        <p:spPr>
+          <a:xfrm>
+            <a:off x="885701" y="1880818"/>
+            <a:ext cx="4808722" cy="4390572"/>
+          </a:xfrm>
+          <a:prstGeom prst="rect">
+            <a:avLst/>
+          </a:prstGeom>
+        </p:spPr>
+      </p:pic>
+      <p:pic>
+        <p:nvPicPr>
+          <p:cNvPr id="7" name="Immagine 6">
+            <a:extLst>
+              <a:ext uri="{FF2B5EF4-FFF2-40B4-BE49-F238E27FC236}">
+                <a16:creationId xmlns:a16="http://schemas.microsoft.com/office/drawing/2014/main" id="{6EBCAB9C-8058-4669-8767-3F40F23F4B5D}"/>
+              </a:ext>
+            </a:extLst>
+          </p:cNvPr>
+          <p:cNvPicPr>
+            <a:picLocks noChangeAspect="1"/>
+          </p:cNvPicPr>
+          <p:nvPr/>
+        </p:nvPicPr>
+        <p:blipFill>
+          <a:blip r:embed="rId3"/>
+          <a:stretch>
+            <a:fillRect/>
+          </a:stretch>
+        </p:blipFill>
+        <p:spPr>
+          <a:xfrm>
+            <a:off x="6230600" y="1880818"/>
+            <a:ext cx="5123200" cy="4390572"/>
+          </a:xfrm>
+          <a:prstGeom prst="rect">
+            <a:avLst/>
+          </a:prstGeom>
+        </p:spPr>
+      </p:pic>
+    </p:spTree>
+    <p:extLst>
+      <p:ext uri="{BB962C8B-B14F-4D97-AF65-F5344CB8AC3E}">
+        <p14:creationId xmlns:p14="http://schemas.microsoft.com/office/powerpoint/2010/main" val="3030254985"/>
       </p:ext>
     </p:extLst>
   </p:cSld>
@@ -3983,7 +4573,7 @@
           <a:p>
             <a:r>
               <a:rPr lang="en-GB" dirty="0"/>
-              <a:t>2- linearization</a:t>
+              <a:t>Reasons for Linearization</a:t>
             </a:r>
             <a:endParaRPr lang="it-IT" dirty="0"/>
           </a:p>
@@ -4131,7 +4721,7 @@
           <p:cNvPr id="2" name="Titolo 1">
             <a:extLst>
               <a:ext uri="{FF2B5EF4-FFF2-40B4-BE49-F238E27FC236}">
-                <a16:creationId xmlns:a16="http://schemas.microsoft.com/office/drawing/2014/main" id="{EC93A25C-7D36-E5A9-45A2-4EE597110AE1}"/>
+                <a16:creationId xmlns:a16="http://schemas.microsoft.com/office/drawing/2014/main" id="{B7B27CCE-AE7C-1C3A-3864-FFC6214CA709}"/>
               </a:ext>
             </a:extLst>
           </p:cNvPr>
@@ -4144,14 +4734,12 @@
         </p:nvSpPr>
         <p:spPr/>
         <p:txBody>
-          <a:bodyPr>
-            <a:normAutofit/>
-          </a:bodyPr>
+          <a:bodyPr/>
           <a:lstStyle/>
           <a:p>
             <a:r>
               <a:rPr lang="en-GB" dirty="0"/>
-              <a:t>2- linearization</a:t>
+              <a:t>Optimization</a:t>
             </a:r>
             <a:endParaRPr lang="it-IT" dirty="0"/>
           </a:p>
@@ -4159,10 +4747,10 @@
       </p:sp>
       <p:pic>
         <p:nvPicPr>
-          <p:cNvPr id="5" name="Immagine 4">
-            <a:extLst>
-              <a:ext uri="{FF2B5EF4-FFF2-40B4-BE49-F238E27FC236}">
-                <a16:creationId xmlns:a16="http://schemas.microsoft.com/office/drawing/2014/main" id="{7709C102-F671-7413-5E2E-7EC92AD76643}"/>
+          <p:cNvPr id="7" name="Immagine 6">
+            <a:extLst>
+              <a:ext uri="{FF2B5EF4-FFF2-40B4-BE49-F238E27FC236}">
+                <a16:creationId xmlns:a16="http://schemas.microsoft.com/office/drawing/2014/main" id="{75EE6EAD-D83A-1B1D-5930-6BFE0601BCE1}"/>
               </a:ext>
             </a:extLst>
           </p:cNvPr>
@@ -4179,38 +4767,8 @@
         </p:blipFill>
         <p:spPr>
           <a:xfrm>
-            <a:off x="6769080" y="1642813"/>
-            <a:ext cx="4696480" cy="3686689"/>
-          </a:xfrm>
-          <a:prstGeom prst="rect">
-            <a:avLst/>
-          </a:prstGeom>
-        </p:spPr>
-      </p:pic>
-      <p:pic>
-        <p:nvPicPr>
-          <p:cNvPr id="7" name="Immagine 6">
-            <a:extLst>
-              <a:ext uri="{FF2B5EF4-FFF2-40B4-BE49-F238E27FC236}">
-                <a16:creationId xmlns:a16="http://schemas.microsoft.com/office/drawing/2014/main" id="{7DBDFC85-0FC8-5687-5F42-1EE276099B53}"/>
-              </a:ext>
-            </a:extLst>
-          </p:cNvPr>
-          <p:cNvPicPr>
-            <a:picLocks noChangeAspect="1"/>
-          </p:cNvPicPr>
-          <p:nvPr/>
-        </p:nvPicPr>
-        <p:blipFill>
-          <a:blip r:embed="rId3"/>
-          <a:stretch>
-            <a:fillRect/>
-          </a:stretch>
-        </p:blipFill>
-        <p:spPr>
-          <a:xfrm>
-            <a:off x="838200" y="1528497"/>
-            <a:ext cx="4706007" cy="3801005"/>
+            <a:off x="661229" y="1690688"/>
+            <a:ext cx="10869542" cy="4201111"/>
           </a:xfrm>
           <a:prstGeom prst="rect">
             <a:avLst/>
@@ -4220,7 +4778,7 @@
     </p:spTree>
     <p:extLst>
       <p:ext uri="{BB962C8B-B14F-4D97-AF65-F5344CB8AC3E}">
-        <p14:creationId xmlns:p14="http://schemas.microsoft.com/office/powerpoint/2010/main" val="3896038605"/>
+        <p14:creationId xmlns:p14="http://schemas.microsoft.com/office/powerpoint/2010/main" val="4065062744"/>
       </p:ext>
     </p:extLst>
   </p:cSld>
@@ -4252,7 +4810,7 @@
           <p:cNvPr id="2" name="Titolo 1">
             <a:extLst>
               <a:ext uri="{FF2B5EF4-FFF2-40B4-BE49-F238E27FC236}">
-                <a16:creationId xmlns:a16="http://schemas.microsoft.com/office/drawing/2014/main" id="{45778166-596D-6EF3-517B-3630072192EA}"/>
+                <a16:creationId xmlns:a16="http://schemas.microsoft.com/office/drawing/2014/main" id="{B7B27CCE-AE7C-1C3A-3864-FFC6214CA709}"/>
               </a:ext>
             </a:extLst>
           </p:cNvPr>
@@ -4263,50 +4821,58 @@
             <p:ph type="title"/>
           </p:nvPr>
         </p:nvSpPr>
-        <p:spPr/>
-        <p:txBody>
-          <a:bodyPr>
-            <a:normAutofit/>
-          </a:bodyPr>
+        <p:spPr>
+          <a:xfrm>
+            <a:off x="838200" y="437696"/>
+            <a:ext cx="10515600" cy="1325563"/>
+          </a:xfrm>
+        </p:spPr>
+        <p:txBody>
+          <a:bodyPr/>
           <a:lstStyle/>
           <a:p>
             <a:r>
               <a:rPr lang="en-GB" dirty="0"/>
-              <a:t>3-optimization</a:t>
+              <a:t>Optimization</a:t>
             </a:r>
             <a:endParaRPr lang="it-IT" dirty="0"/>
           </a:p>
         </p:txBody>
       </p:sp>
-      <p:sp>
-        <p:nvSpPr>
-          <p:cNvPr id="3" name="Segnaposto contenuto 2">
-            <a:extLst>
-              <a:ext uri="{FF2B5EF4-FFF2-40B4-BE49-F238E27FC236}">
-                <a16:creationId xmlns:a16="http://schemas.microsoft.com/office/drawing/2014/main" id="{76147F5F-7C2E-7149-5892-DE1E2C5FF6A8}"/>
-              </a:ext>
-            </a:extLst>
-          </p:cNvPr>
-          <p:cNvSpPr>
-            <a:spLocks noGrp="1"/>
-          </p:cNvSpPr>
-          <p:nvPr>
-            <p:ph idx="1"/>
-          </p:nvPr>
-        </p:nvSpPr>
-        <p:spPr/>
-        <p:txBody>
-          <a:bodyPr/>
-          <a:lstStyle/>
-          <a:p>
-            <a:endParaRPr lang="it-IT"/>
-          </a:p>
-        </p:txBody>
-      </p:sp>
+      <p:pic>
+        <p:nvPicPr>
+          <p:cNvPr id="9" name="Immagine 8">
+            <a:extLst>
+              <a:ext uri="{FF2B5EF4-FFF2-40B4-BE49-F238E27FC236}">
+                <a16:creationId xmlns:a16="http://schemas.microsoft.com/office/drawing/2014/main" id="{71B1A449-90F6-A66A-381D-F24C5348021F}"/>
+              </a:ext>
+            </a:extLst>
+          </p:cNvPr>
+          <p:cNvPicPr>
+            <a:picLocks noChangeAspect="1"/>
+          </p:cNvPicPr>
+          <p:nvPr/>
+        </p:nvPicPr>
+        <p:blipFill>
+          <a:blip r:embed="rId2"/>
+          <a:stretch>
+            <a:fillRect/>
+          </a:stretch>
+        </p:blipFill>
+        <p:spPr>
+          <a:xfrm>
+            <a:off x="5199679" y="437696"/>
+            <a:ext cx="5747721" cy="5985172"/>
+          </a:xfrm>
+          <a:prstGeom prst="rect">
+            <a:avLst/>
+          </a:prstGeom>
+        </p:spPr>
+      </p:pic>
     </p:spTree>
     <p:extLst>
       <p:ext uri="{BB962C8B-B14F-4D97-AF65-F5344CB8AC3E}">
-        <p14:creationId xmlns:p14="http://schemas.microsoft.com/office/powerpoint/2010/main" val="2661837193"/>
+        <p14:creationId xmlns:p14="http://schemas.microsoft.com/office/powerpoint/2010/main" val="2040706579"/>
       </p:ext>
     </p:extLst>
   </p:cSld>
@@ -4338,7 +4904,7 @@
           <p:cNvPr id="2" name="Titolo 1">
             <a:extLst>
               <a:ext uri="{FF2B5EF4-FFF2-40B4-BE49-F238E27FC236}">
-                <a16:creationId xmlns:a16="http://schemas.microsoft.com/office/drawing/2014/main" id="{4E7E3FA9-8933-E1F3-E5FB-4F16D500F3B3}"/>
+                <a16:creationId xmlns:a16="http://schemas.microsoft.com/office/drawing/2014/main" id="{B7B27CCE-AE7C-1C3A-3864-FFC6214CA709}"/>
               </a:ext>
             </a:extLst>
           </p:cNvPr>
@@ -4356,41 +4922,46 @@
           <a:p>
             <a:r>
               <a:rPr lang="en-GB" dirty="0"/>
-              <a:t>4-comparison between nonlinear behaviour and linear one</a:t>
+              <a:t>Optimization</a:t>
             </a:r>
             <a:endParaRPr lang="it-IT" dirty="0"/>
           </a:p>
         </p:txBody>
       </p:sp>
-      <p:sp>
-        <p:nvSpPr>
-          <p:cNvPr id="3" name="Segnaposto contenuto 2">
-            <a:extLst>
-              <a:ext uri="{FF2B5EF4-FFF2-40B4-BE49-F238E27FC236}">
-                <a16:creationId xmlns:a16="http://schemas.microsoft.com/office/drawing/2014/main" id="{3A4B14E9-412E-90F0-8E88-6B7290D69EE9}"/>
-              </a:ext>
-            </a:extLst>
-          </p:cNvPr>
-          <p:cNvSpPr>
-            <a:spLocks noGrp="1"/>
-          </p:cNvSpPr>
-          <p:nvPr>
-            <p:ph idx="1"/>
-          </p:nvPr>
-        </p:nvSpPr>
-        <p:spPr/>
-        <p:txBody>
-          <a:bodyPr/>
-          <a:lstStyle/>
-          <a:p>
-            <a:endParaRPr lang="it-IT"/>
-          </a:p>
-        </p:txBody>
-      </p:sp>
+      <p:pic>
+        <p:nvPicPr>
+          <p:cNvPr id="4" name="Immagine 3">
+            <a:extLst>
+              <a:ext uri="{FF2B5EF4-FFF2-40B4-BE49-F238E27FC236}">
+                <a16:creationId xmlns:a16="http://schemas.microsoft.com/office/drawing/2014/main" id="{CE2143DD-1B02-CB62-64A2-CCF31F29FB96}"/>
+              </a:ext>
+            </a:extLst>
+          </p:cNvPr>
+          <p:cNvPicPr>
+            <a:picLocks noChangeAspect="1"/>
+          </p:cNvPicPr>
+          <p:nvPr/>
+        </p:nvPicPr>
+        <p:blipFill>
+          <a:blip r:embed="rId2"/>
+          <a:stretch>
+            <a:fillRect/>
+          </a:stretch>
+        </p:blipFill>
+        <p:spPr>
+          <a:xfrm>
+            <a:off x="4329414" y="776542"/>
+            <a:ext cx="7024386" cy="5304915"/>
+          </a:xfrm>
+          <a:prstGeom prst="rect">
+            <a:avLst/>
+          </a:prstGeom>
+        </p:spPr>
+      </p:pic>
     </p:spTree>
     <p:extLst>
       <p:ext uri="{BB962C8B-B14F-4D97-AF65-F5344CB8AC3E}">
-        <p14:creationId xmlns:p14="http://schemas.microsoft.com/office/powerpoint/2010/main" val="636390196"/>
+        <p14:creationId xmlns:p14="http://schemas.microsoft.com/office/powerpoint/2010/main" val="1540089929"/>
       </p:ext>
     </p:extLst>
   </p:cSld>
@@ -4422,7 +4993,7 @@
           <p:cNvPr id="2" name="Titolo 1">
             <a:extLst>
               <a:ext uri="{FF2B5EF4-FFF2-40B4-BE49-F238E27FC236}">
-                <a16:creationId xmlns:a16="http://schemas.microsoft.com/office/drawing/2014/main" id="{0B71BF3C-08E0-2701-7471-2CE86E092FB6}"/>
+                <a16:creationId xmlns:a16="http://schemas.microsoft.com/office/drawing/2014/main" id="{B7B27CCE-AE7C-1C3A-3864-FFC6214CA709}"/>
               </a:ext>
             </a:extLst>
           </p:cNvPr>
@@ -4440,512 +5011,379 @@
           <a:p>
             <a:r>
               <a:rPr lang="en-GB" dirty="0"/>
-              <a:t>5-time and </a:t>
-            </a:r>
-            <a:r>
-              <a:rPr lang="en-GB" dirty="0" err="1"/>
-              <a:t>freq</a:t>
-            </a:r>
-            <a:r>
-              <a:rPr lang="en-GB" dirty="0"/>
-              <a:t> validations</a:t>
+              <a:t>Optimization</a:t>
             </a:r>
             <a:endParaRPr lang="it-IT" dirty="0"/>
           </a:p>
         </p:txBody>
       </p:sp>
-      <p:sp>
-        <p:nvSpPr>
-          <p:cNvPr id="3" name="Segnaposto contenuto 2">
-            <a:extLst>
-              <a:ext uri="{FF2B5EF4-FFF2-40B4-BE49-F238E27FC236}">
-                <a16:creationId xmlns:a16="http://schemas.microsoft.com/office/drawing/2014/main" id="{DAA03F16-C20E-E86C-51ED-AD5D52427EBD}"/>
-              </a:ext>
-            </a:extLst>
-          </p:cNvPr>
-          <p:cNvSpPr>
-            <a:spLocks noGrp="1"/>
-          </p:cNvSpPr>
-          <p:nvPr>
-            <p:ph idx="1"/>
-          </p:nvPr>
-        </p:nvSpPr>
-        <p:spPr/>
-        <p:txBody>
-          <a:bodyPr/>
-          <a:lstStyle/>
-          <a:p>
-            <a:pPr marL="457200" rtl="0">
-              <a:spcBef>
-                <a:spcPts val="0"/>
-              </a:spcBef>
-              <a:spcAft>
-                <a:spcPts val="0"/>
-              </a:spcAft>
-            </a:pPr>
-            <a:r>
-              <a:rPr lang="en-GB" sz="1100" b="1" i="0" u="none" strike="noStrike" dirty="0">
-                <a:solidFill>
-                  <a:srgbClr val="000000"/>
-                </a:solidFill>
-                <a:effectLst/>
-                <a:latin typeface="Arial" panose="020B0604020202020204" pitchFamily="34" charset="0"/>
-              </a:rPr>
-              <a:t>PART 1</a:t>
-            </a:r>
-            <a:endParaRPr lang="en-GB" dirty="0">
-              <a:effectLst/>
-            </a:endParaRPr>
-          </a:p>
-          <a:p>
-            <a:pPr rtl="0" fontAlgn="base">
-              <a:spcBef>
-                <a:spcPts val="0"/>
-              </a:spcBef>
-              <a:spcAft>
-                <a:spcPts val="0"/>
-              </a:spcAft>
-              <a:buFont typeface="+mj-lt"/>
-              <a:buAutoNum type="arabicPeriod"/>
-            </a:pPr>
-            <a:br>
-              <a:rPr lang="en-GB" dirty="0"/>
-            </a:br>
-            <a:r>
-              <a:rPr lang="en-GB" sz="1100" b="0" i="0" u="none" strike="noStrike" dirty="0">
-                <a:solidFill>
-                  <a:srgbClr val="000000"/>
-                </a:solidFill>
-                <a:effectLst/>
-                <a:latin typeface="Arial" panose="020B0604020202020204" pitchFamily="34" charset="0"/>
-              </a:rPr>
-              <a:t>dynamic </a:t>
-            </a:r>
-            <a:r>
-              <a:rPr lang="en-GB" sz="1100" b="0" i="0" u="none" strike="noStrike" dirty="0" err="1">
-                <a:solidFill>
-                  <a:srgbClr val="000000"/>
-                </a:solidFill>
-                <a:effectLst/>
-                <a:latin typeface="Arial" panose="020B0604020202020204" pitchFamily="34" charset="0"/>
-              </a:rPr>
-              <a:t>eq</a:t>
-            </a:r>
-            <a:r>
-              <a:rPr lang="en-GB" sz="1100" b="0" i="0" u="none" strike="noStrike" dirty="0">
-                <a:solidFill>
-                  <a:srgbClr val="000000"/>
-                </a:solidFill>
-                <a:effectLst/>
-                <a:latin typeface="Arial" panose="020B0604020202020204" pitchFamily="34" charset="0"/>
-              </a:rPr>
-              <a:t> </a:t>
-            </a:r>
-          </a:p>
-          <a:p>
-            <a:pPr marL="742950" lvl="1" indent="-285750" rtl="0" fontAlgn="base">
-              <a:spcBef>
-                <a:spcPts val="0"/>
-              </a:spcBef>
-              <a:spcAft>
-                <a:spcPts val="0"/>
-              </a:spcAft>
-              <a:buFont typeface="+mj-lt"/>
-              <a:buAutoNum type="arabicPeriod"/>
-            </a:pPr>
-            <a:r>
-              <a:rPr lang="en-GB" sz="1100" b="0" i="0" u="none" strike="noStrike" dirty="0" err="1">
-                <a:solidFill>
-                  <a:srgbClr val="000000"/>
-                </a:solidFill>
-                <a:effectLst/>
-                <a:latin typeface="Arial" panose="020B0604020202020204" pitchFamily="34" charset="0"/>
-              </a:rPr>
-              <a:t>Cont</a:t>
-            </a:r>
-            <a:r>
-              <a:rPr lang="en-GB" sz="1100" b="0" i="0" u="none" strike="noStrike" dirty="0">
-                <a:solidFill>
-                  <a:srgbClr val="000000"/>
-                </a:solidFill>
-                <a:effectLst/>
-                <a:latin typeface="Arial" panose="020B0604020202020204" pitchFamily="34" charset="0"/>
-              </a:rPr>
-              <a:t> and dis time</a:t>
-            </a:r>
-          </a:p>
-          <a:p>
-            <a:pPr rtl="0" fontAlgn="base">
-              <a:spcBef>
-                <a:spcPts val="0"/>
-              </a:spcBef>
-              <a:spcAft>
-                <a:spcPts val="0"/>
-              </a:spcAft>
-              <a:buFont typeface="+mj-lt"/>
-              <a:buAutoNum type="arabicPeriod"/>
-            </a:pPr>
-            <a:r>
-              <a:rPr lang="en-GB" sz="1100" b="0" i="0" u="none" strike="noStrike" dirty="0">
-                <a:solidFill>
-                  <a:srgbClr val="000000"/>
-                </a:solidFill>
-                <a:effectLst/>
-                <a:latin typeface="Arial" panose="020B0604020202020204" pitchFamily="34" charset="0"/>
-              </a:rPr>
-              <a:t>linearization </a:t>
-            </a:r>
-          </a:p>
-          <a:p>
-            <a:pPr marL="457200" rtl="0">
-              <a:spcBef>
-                <a:spcPts val="0"/>
-              </a:spcBef>
-              <a:spcAft>
-                <a:spcPts val="0"/>
-              </a:spcAft>
-            </a:pPr>
-            <a:r>
-              <a:rPr lang="en-GB" sz="1100" b="0" i="0" u="none" strike="noStrike" dirty="0">
-                <a:solidFill>
-                  <a:srgbClr val="000000"/>
-                </a:solidFill>
-                <a:effectLst/>
-                <a:latin typeface="Arial" panose="020B0604020202020204" pitchFamily="34" charset="0"/>
-              </a:rPr>
-              <a:t>Actual nonlinear part vs linear part. Graph of percentage error.</a:t>
-            </a:r>
-            <a:endParaRPr lang="en-GB" dirty="0">
-              <a:effectLst/>
-            </a:endParaRPr>
-          </a:p>
-          <a:p>
-            <a:pPr rtl="0" fontAlgn="base">
-              <a:spcBef>
-                <a:spcPts val="0"/>
-              </a:spcBef>
-              <a:spcAft>
-                <a:spcPts val="0"/>
-              </a:spcAft>
-              <a:buFont typeface="+mj-lt"/>
-              <a:buAutoNum type="arabicPeriod" startAt="3"/>
-            </a:pPr>
-            <a:r>
-              <a:rPr lang="en-GB" sz="1100" b="0" i="0" u="none" strike="noStrike" dirty="0">
-                <a:solidFill>
-                  <a:srgbClr val="000000"/>
-                </a:solidFill>
-                <a:effectLst/>
-                <a:latin typeface="Arial" panose="020B0604020202020204" pitchFamily="34" charset="0"/>
-              </a:rPr>
-              <a:t>optimization </a:t>
-            </a:r>
-          </a:p>
-          <a:p>
-            <a:pPr marL="742950" lvl="1" indent="-285750" rtl="0" fontAlgn="base">
-              <a:spcBef>
-                <a:spcPts val="0"/>
-              </a:spcBef>
-              <a:spcAft>
-                <a:spcPts val="0"/>
-              </a:spcAft>
-              <a:buFont typeface="+mj-lt"/>
-              <a:buAutoNum type="arabicPeriod"/>
-            </a:pPr>
-            <a:r>
-              <a:rPr lang="en-GB" sz="1100" b="0" i="0" u="none" strike="noStrike" dirty="0">
-                <a:solidFill>
-                  <a:srgbClr val="000000"/>
-                </a:solidFill>
-                <a:effectLst/>
-                <a:latin typeface="Arial" panose="020B0604020202020204" pitchFamily="34" charset="0"/>
-              </a:rPr>
-              <a:t>Jesus calculation of stiffness????</a:t>
-            </a:r>
-          </a:p>
-          <a:p>
-            <a:pPr marL="742950" lvl="1" indent="-285750" rtl="0" fontAlgn="base">
-              <a:spcBef>
-                <a:spcPts val="0"/>
-              </a:spcBef>
-              <a:spcAft>
-                <a:spcPts val="0"/>
-              </a:spcAft>
-              <a:buFont typeface="+mj-lt"/>
-              <a:buAutoNum type="arabicPeriod"/>
-            </a:pPr>
-            <a:r>
-              <a:rPr lang="en-GB" sz="1100" b="0" i="0" u="none" strike="noStrike" dirty="0" err="1">
-                <a:solidFill>
-                  <a:srgbClr val="000000"/>
-                </a:solidFill>
-                <a:effectLst/>
-                <a:latin typeface="Arial" panose="020B0604020202020204" pitchFamily="34" charset="0"/>
-              </a:rPr>
-              <a:t>Wn</a:t>
-            </a:r>
-            <a:r>
-              <a:rPr lang="en-GB" sz="1100" b="0" i="0" u="none" strike="noStrike" dirty="0">
-                <a:solidFill>
-                  <a:srgbClr val="000000"/>
-                </a:solidFill>
-                <a:effectLst/>
-                <a:latin typeface="Arial" panose="020B0604020202020204" pitchFamily="34" charset="0"/>
-              </a:rPr>
-              <a:t> and damping </a:t>
-            </a:r>
-          </a:p>
-          <a:p>
-            <a:pPr marL="742950" lvl="1" indent="-285750" rtl="0" fontAlgn="base">
-              <a:spcBef>
-                <a:spcPts val="0"/>
-              </a:spcBef>
-              <a:spcAft>
-                <a:spcPts val="0"/>
-              </a:spcAft>
-              <a:buFont typeface="+mj-lt"/>
-              <a:buAutoNum type="arabicPeriod"/>
-            </a:pPr>
-            <a:r>
-              <a:rPr lang="en-GB" sz="1100" b="0" i="0" u="none" strike="noStrike" dirty="0">
-                <a:solidFill>
-                  <a:srgbClr val="000000"/>
-                </a:solidFill>
-                <a:effectLst/>
-                <a:latin typeface="Arial" panose="020B0604020202020204" pitchFamily="34" charset="0"/>
-              </a:rPr>
-              <a:t>Numerical values of ss/</a:t>
-            </a:r>
-            <a:r>
-              <a:rPr lang="en-GB" sz="1100" b="0" i="0" u="none" strike="noStrike" dirty="0" err="1">
-                <a:solidFill>
-                  <a:srgbClr val="000000"/>
-                </a:solidFill>
-                <a:effectLst/>
-                <a:latin typeface="Arial" panose="020B0604020202020204" pitchFamily="34" charset="0"/>
-              </a:rPr>
-              <a:t>tf</a:t>
-            </a:r>
-            <a:r>
-              <a:rPr lang="en-GB" sz="1100" b="0" i="0" u="none" strike="noStrike" dirty="0">
-                <a:solidFill>
-                  <a:srgbClr val="000000"/>
-                </a:solidFill>
-                <a:effectLst/>
-                <a:latin typeface="Arial" panose="020B0604020202020204" pitchFamily="34" charset="0"/>
-              </a:rPr>
-              <a:t> </a:t>
-            </a:r>
-          </a:p>
-          <a:p>
-            <a:pPr marL="742950" lvl="1" indent="-285750" rtl="0" fontAlgn="base">
-              <a:spcBef>
-                <a:spcPts val="0"/>
-              </a:spcBef>
-              <a:spcAft>
-                <a:spcPts val="0"/>
-              </a:spcAft>
-              <a:buFont typeface="+mj-lt"/>
-              <a:buAutoNum type="arabicPeriod"/>
-            </a:pPr>
-            <a:br>
-              <a:rPr lang="en-GB" sz="1100" b="0" i="0" u="none" strike="noStrike" dirty="0">
-                <a:solidFill>
-                  <a:srgbClr val="000000"/>
-                </a:solidFill>
-                <a:effectLst/>
-                <a:latin typeface="Arial" panose="020B0604020202020204" pitchFamily="34" charset="0"/>
-              </a:rPr>
-            </a:br>
-            <a:endParaRPr lang="en-GB" sz="1100" b="0" i="0" u="none" strike="noStrike" dirty="0">
-              <a:solidFill>
-                <a:srgbClr val="000000"/>
-              </a:solidFill>
-              <a:effectLst/>
-              <a:latin typeface="Arial" panose="020B0604020202020204" pitchFamily="34" charset="0"/>
-            </a:endParaRPr>
-          </a:p>
-          <a:p>
-            <a:pPr rtl="0" fontAlgn="base">
-              <a:spcBef>
-                <a:spcPts val="0"/>
-              </a:spcBef>
-              <a:spcAft>
-                <a:spcPts val="0"/>
-              </a:spcAft>
-              <a:buFont typeface="+mj-lt"/>
-              <a:buAutoNum type="arabicPeriod" startAt="3"/>
-            </a:pPr>
-            <a:r>
-              <a:rPr lang="en-GB" sz="1100" b="0" i="0" u="none" strike="noStrike" dirty="0">
-                <a:solidFill>
-                  <a:srgbClr val="000000"/>
-                </a:solidFill>
-                <a:effectLst/>
-                <a:latin typeface="Arial" panose="020B0604020202020204" pitchFamily="34" charset="0"/>
-              </a:rPr>
-              <a:t>comparison between nonlinear behaviour and linear one  </a:t>
-            </a:r>
-          </a:p>
-          <a:p>
-            <a:pPr marL="742950" lvl="1" indent="-285750" rtl="0" fontAlgn="base">
-              <a:spcBef>
-                <a:spcPts val="0"/>
-              </a:spcBef>
-              <a:spcAft>
-                <a:spcPts val="0"/>
-              </a:spcAft>
-              <a:buFont typeface="+mj-lt"/>
-              <a:buAutoNum type="arabicPeriod"/>
-            </a:pPr>
-            <a:r>
-              <a:rPr lang="en-GB" sz="1100" b="0" i="0" u="none" strike="noStrike" dirty="0">
-                <a:solidFill>
-                  <a:srgbClr val="000000"/>
-                </a:solidFill>
-                <a:effectLst/>
-                <a:latin typeface="Arial" panose="020B0604020202020204" pitchFamily="34" charset="0"/>
-              </a:rPr>
-              <a:t>Plot of nonlinear and linear model. Who has matching the validation data better</a:t>
-            </a:r>
-          </a:p>
-          <a:p>
-            <a:pPr rtl="0" fontAlgn="base">
-              <a:spcBef>
-                <a:spcPts val="0"/>
-              </a:spcBef>
-              <a:spcAft>
-                <a:spcPts val="0"/>
-              </a:spcAft>
-              <a:buFont typeface="+mj-lt"/>
-              <a:buAutoNum type="arabicPeriod" startAt="3"/>
-            </a:pPr>
-            <a:r>
-              <a:rPr lang="en-GB" sz="1100" b="0" i="0" u="none" strike="noStrike" dirty="0">
-                <a:solidFill>
-                  <a:srgbClr val="000000"/>
-                </a:solidFill>
-                <a:effectLst/>
-                <a:latin typeface="Arial" panose="020B0604020202020204" pitchFamily="34" charset="0"/>
-              </a:rPr>
-              <a:t>time and </a:t>
-            </a:r>
-            <a:r>
-              <a:rPr lang="en-GB" sz="1100" b="0" i="0" u="none" strike="noStrike" dirty="0" err="1">
-                <a:solidFill>
-                  <a:srgbClr val="000000"/>
-                </a:solidFill>
-                <a:effectLst/>
-                <a:latin typeface="Arial" panose="020B0604020202020204" pitchFamily="34" charset="0"/>
-              </a:rPr>
-              <a:t>freq</a:t>
-            </a:r>
-            <a:r>
-              <a:rPr lang="en-GB" sz="1100" b="0" i="0" u="none" strike="noStrike" dirty="0">
-                <a:solidFill>
-                  <a:srgbClr val="000000"/>
-                </a:solidFill>
-                <a:effectLst/>
-                <a:latin typeface="Arial" panose="020B0604020202020204" pitchFamily="34" charset="0"/>
-              </a:rPr>
-              <a:t> validations</a:t>
-            </a:r>
-          </a:p>
-          <a:p>
-            <a:pPr marL="742950" lvl="1" indent="-285750" rtl="0" fontAlgn="base">
-              <a:spcBef>
-                <a:spcPts val="0"/>
-              </a:spcBef>
-              <a:spcAft>
-                <a:spcPts val="0"/>
-              </a:spcAft>
-              <a:buFont typeface="+mj-lt"/>
-              <a:buAutoNum type="arabicPeriod"/>
-            </a:pPr>
-            <a:r>
-              <a:rPr lang="en-GB" sz="1100" b="0" i="0" u="none" strike="noStrike" dirty="0">
-                <a:solidFill>
-                  <a:srgbClr val="000000"/>
-                </a:solidFill>
-                <a:effectLst/>
-                <a:latin typeface="Arial" panose="020B0604020202020204" pitchFamily="34" charset="0"/>
-              </a:rPr>
-              <a:t>Time and frequency l1 norm comparison (one with text output)</a:t>
-            </a:r>
-          </a:p>
-          <a:p>
-            <a:pPr marL="742950" lvl="1" indent="-285750" rtl="0" fontAlgn="base">
-              <a:spcBef>
-                <a:spcPts val="0"/>
-              </a:spcBef>
-              <a:spcAft>
-                <a:spcPts val="0"/>
-              </a:spcAft>
-              <a:buFont typeface="+mj-lt"/>
-              <a:buAutoNum type="arabicPeriod"/>
-            </a:pPr>
-            <a:r>
-              <a:rPr lang="en-GB" sz="1100" b="0" i="0" u="none" strike="noStrike" dirty="0">
-                <a:solidFill>
-                  <a:srgbClr val="000000"/>
-                </a:solidFill>
-                <a:effectLst/>
-                <a:latin typeface="Arial" panose="020B0604020202020204" pitchFamily="34" charset="0"/>
-              </a:rPr>
-              <a:t>Bode comparison with sine dataset(fire collects dataset)</a:t>
-            </a:r>
-          </a:p>
-          <a:p>
-            <a:pPr marL="742950" lvl="1" indent="-285750" rtl="0" fontAlgn="base">
-              <a:spcBef>
-                <a:spcPts val="0"/>
-              </a:spcBef>
-              <a:spcAft>
-                <a:spcPts val="0"/>
-              </a:spcAft>
-              <a:buFont typeface="+mj-lt"/>
-              <a:buAutoNum type="arabicPeriod"/>
-            </a:pPr>
-            <a:r>
-              <a:rPr lang="en-GB" sz="1100" b="0" i="0" u="none" strike="noStrike" dirty="0">
-                <a:solidFill>
-                  <a:srgbClr val="000000"/>
-                </a:solidFill>
-                <a:effectLst/>
-                <a:latin typeface="Arial" panose="020B0604020202020204" pitchFamily="34" charset="0"/>
-              </a:rPr>
-              <a:t>Hf and low </a:t>
-            </a:r>
-            <a:r>
-              <a:rPr lang="en-GB" sz="1100" b="0" i="0" u="none" strike="noStrike" dirty="0" err="1">
-                <a:solidFill>
-                  <a:srgbClr val="000000"/>
-                </a:solidFill>
-                <a:effectLst/>
-                <a:latin typeface="Arial" panose="020B0604020202020204" pitchFamily="34" charset="0"/>
-              </a:rPr>
-              <a:t>freq</a:t>
-            </a:r>
-            <a:r>
-              <a:rPr lang="en-GB" sz="1100" b="0" i="0" u="none" strike="noStrike" dirty="0">
-                <a:solidFill>
-                  <a:srgbClr val="000000"/>
-                </a:solidFill>
-                <a:effectLst/>
-                <a:latin typeface="Arial" panose="020B0604020202020204" pitchFamily="34" charset="0"/>
-              </a:rPr>
-              <a:t> model merge (trick)</a:t>
-            </a:r>
-          </a:p>
-          <a:p>
-            <a:endParaRPr lang="it-IT" dirty="0"/>
-          </a:p>
-        </p:txBody>
-      </p:sp>
+      <p:pic>
+        <p:nvPicPr>
+          <p:cNvPr id="5" name="Immagine 4">
+            <a:extLst>
+              <a:ext uri="{FF2B5EF4-FFF2-40B4-BE49-F238E27FC236}">
+                <a16:creationId xmlns:a16="http://schemas.microsoft.com/office/drawing/2014/main" id="{8936E5B8-7DC7-ED01-C308-0A1556CEF8A2}"/>
+              </a:ext>
+            </a:extLst>
+          </p:cNvPr>
+          <p:cNvPicPr>
+            <a:picLocks noChangeAspect="1"/>
+          </p:cNvPicPr>
+          <p:nvPr/>
+        </p:nvPicPr>
+        <p:blipFill>
+          <a:blip r:embed="rId2"/>
+          <a:stretch>
+            <a:fillRect/>
+          </a:stretch>
+        </p:blipFill>
+        <p:spPr>
+          <a:xfrm>
+            <a:off x="7264969" y="2109335"/>
+            <a:ext cx="3734321" cy="3219899"/>
+          </a:xfrm>
+          <a:prstGeom prst="rect">
+            <a:avLst/>
+          </a:prstGeom>
+        </p:spPr>
+      </p:pic>
+      <p:pic>
+        <p:nvPicPr>
+          <p:cNvPr id="7" name="Immagine 6">
+            <a:extLst>
+              <a:ext uri="{FF2B5EF4-FFF2-40B4-BE49-F238E27FC236}">
+                <a16:creationId xmlns:a16="http://schemas.microsoft.com/office/drawing/2014/main" id="{AA3FB4AE-561D-70B4-2F1A-F3D941DDDF49}"/>
+              </a:ext>
+            </a:extLst>
+          </p:cNvPr>
+          <p:cNvPicPr>
+            <a:picLocks noChangeAspect="1"/>
+          </p:cNvPicPr>
+          <p:nvPr/>
+        </p:nvPicPr>
+        <p:blipFill>
+          <a:blip r:embed="rId3"/>
+          <a:stretch>
+            <a:fillRect/>
+          </a:stretch>
+        </p:blipFill>
+        <p:spPr>
+          <a:xfrm>
+            <a:off x="1118371" y="2549431"/>
+            <a:ext cx="3808662" cy="1325563"/>
+          </a:xfrm>
+          <a:prstGeom prst="rect">
+            <a:avLst/>
+          </a:prstGeom>
+        </p:spPr>
+      </p:pic>
     </p:spTree>
     <p:extLst>
       <p:ext uri="{BB962C8B-B14F-4D97-AF65-F5344CB8AC3E}">
-        <p14:creationId xmlns:p14="http://schemas.microsoft.com/office/powerpoint/2010/main" val="2096058464"/>
+        <p14:creationId xmlns:p14="http://schemas.microsoft.com/office/powerpoint/2010/main" val="3559148064"/>
+      </p:ext>
+    </p:extLst>
+  </p:cSld>
+  <p:clrMapOvr>
+    <a:masterClrMapping/>
+  </p:clrMapOvr>
+</p:sld>
+</file>
+
+<file path=ppt/slides/slide7.xml><?xml version="1.0" encoding="utf-8"?>
+<p:sld xmlns:a="http://schemas.openxmlformats.org/drawingml/2006/main" xmlns:r="http://schemas.openxmlformats.org/officeDocument/2006/relationships" xmlns:p="http://schemas.openxmlformats.org/presentationml/2006/main">
+  <p:cSld>
+    <p:spTree>
+      <p:nvGrpSpPr>
+        <p:cNvPr id="1" name=""/>
+        <p:cNvGrpSpPr/>
+        <p:nvPr/>
+      </p:nvGrpSpPr>
+      <p:grpSpPr>
+        <a:xfrm>
+          <a:off x="0" y="0"/>
+          <a:ext cx="0" cy="0"/>
+          <a:chOff x="0" y="0"/>
+          <a:chExt cx="0" cy="0"/>
+        </a:xfrm>
+      </p:grpSpPr>
+      <p:sp>
+        <p:nvSpPr>
+          <p:cNvPr id="2" name="Titolo 1">
+            <a:extLst>
+              <a:ext uri="{FF2B5EF4-FFF2-40B4-BE49-F238E27FC236}">
+                <a16:creationId xmlns:a16="http://schemas.microsoft.com/office/drawing/2014/main" id="{45778166-596D-6EF3-517B-3630072192EA}"/>
+              </a:ext>
+            </a:extLst>
+          </p:cNvPr>
+          <p:cNvSpPr>
+            <a:spLocks noGrp="1"/>
+          </p:cNvSpPr>
+          <p:nvPr>
+            <p:ph type="title"/>
+          </p:nvPr>
+        </p:nvSpPr>
+        <p:spPr/>
+        <p:txBody>
+          <a:bodyPr>
+            <a:normAutofit/>
+          </a:bodyPr>
+          <a:lstStyle/>
+          <a:p>
+            <a:r>
+              <a:rPr lang="en-GB" dirty="0"/>
+              <a:t>Optimization Results- Timeseries</a:t>
+            </a:r>
+            <a:endParaRPr lang="it-IT" dirty="0"/>
+          </a:p>
+        </p:txBody>
+      </p:sp>
+      <p:pic>
+        <p:nvPicPr>
+          <p:cNvPr id="5" name="Immagine 4">
+            <a:extLst>
+              <a:ext uri="{FF2B5EF4-FFF2-40B4-BE49-F238E27FC236}">
+                <a16:creationId xmlns:a16="http://schemas.microsoft.com/office/drawing/2014/main" id="{C8DEEEEA-D5F3-F05F-20FD-91F95E505226}"/>
+              </a:ext>
+            </a:extLst>
+          </p:cNvPr>
+          <p:cNvPicPr>
+            <a:picLocks noChangeAspect="1"/>
+          </p:cNvPicPr>
+          <p:nvPr/>
+        </p:nvPicPr>
+        <p:blipFill>
+          <a:blip r:embed="rId2"/>
+          <a:stretch>
+            <a:fillRect/>
+          </a:stretch>
+        </p:blipFill>
+        <p:spPr>
+          <a:xfrm>
+            <a:off x="1744887" y="1319241"/>
+            <a:ext cx="8702226" cy="5003982"/>
+          </a:xfrm>
+          <a:prstGeom prst="rect">
+            <a:avLst/>
+          </a:prstGeom>
+        </p:spPr>
+      </p:pic>
+    </p:spTree>
+    <p:extLst>
+      <p:ext uri="{BB962C8B-B14F-4D97-AF65-F5344CB8AC3E}">
+        <p14:creationId xmlns:p14="http://schemas.microsoft.com/office/powerpoint/2010/main" val="2661837193"/>
+      </p:ext>
+    </p:extLst>
+  </p:cSld>
+  <p:clrMapOvr>
+    <a:masterClrMapping/>
+  </p:clrMapOvr>
+</p:sld>
+</file>
+
+<file path=ppt/slides/slide8.xml><?xml version="1.0" encoding="utf-8"?>
+<p:sld xmlns:a="http://schemas.openxmlformats.org/drawingml/2006/main" xmlns:r="http://schemas.openxmlformats.org/officeDocument/2006/relationships" xmlns:p="http://schemas.openxmlformats.org/presentationml/2006/main">
+  <p:cSld>
+    <p:spTree>
+      <p:nvGrpSpPr>
+        <p:cNvPr id="1" name=""/>
+        <p:cNvGrpSpPr/>
+        <p:nvPr/>
+      </p:nvGrpSpPr>
+      <p:grpSpPr>
+        <a:xfrm>
+          <a:off x="0" y="0"/>
+          <a:ext cx="0" cy="0"/>
+          <a:chOff x="0" y="0"/>
+          <a:chExt cx="0" cy="0"/>
+        </a:xfrm>
+      </p:grpSpPr>
+      <p:sp>
+        <p:nvSpPr>
+          <p:cNvPr id="2" name="Titolo 1">
+            <a:extLst>
+              <a:ext uri="{FF2B5EF4-FFF2-40B4-BE49-F238E27FC236}">
+                <a16:creationId xmlns:a16="http://schemas.microsoft.com/office/drawing/2014/main" id="{45778166-596D-6EF3-517B-3630072192EA}"/>
+              </a:ext>
+            </a:extLst>
+          </p:cNvPr>
+          <p:cNvSpPr>
+            <a:spLocks noGrp="1"/>
+          </p:cNvSpPr>
+          <p:nvPr>
+            <p:ph type="title"/>
+          </p:nvPr>
+        </p:nvSpPr>
+        <p:spPr/>
+        <p:txBody>
+          <a:bodyPr>
+            <a:normAutofit/>
+          </a:bodyPr>
+          <a:lstStyle/>
+          <a:p>
+            <a:r>
+              <a:rPr lang="en-GB" dirty="0"/>
+              <a:t>Optimization Results – L1 norm</a:t>
+            </a:r>
+            <a:endParaRPr lang="it-IT" dirty="0"/>
+          </a:p>
+        </p:txBody>
+      </p:sp>
+      <p:pic>
+        <p:nvPicPr>
+          <p:cNvPr id="4" name="Immagine 3">
+            <a:extLst>
+              <a:ext uri="{FF2B5EF4-FFF2-40B4-BE49-F238E27FC236}">
+                <a16:creationId xmlns:a16="http://schemas.microsoft.com/office/drawing/2014/main" id="{6A4D508F-F7A9-3880-6200-BAA4DD900AB8}"/>
+              </a:ext>
+            </a:extLst>
+          </p:cNvPr>
+          <p:cNvPicPr>
+            <a:picLocks noChangeAspect="1"/>
+          </p:cNvPicPr>
+          <p:nvPr/>
+        </p:nvPicPr>
+        <p:blipFill>
+          <a:blip r:embed="rId2"/>
+          <a:stretch>
+            <a:fillRect/>
+          </a:stretch>
+        </p:blipFill>
+        <p:spPr>
+          <a:xfrm>
+            <a:off x="838200" y="1966460"/>
+            <a:ext cx="7525800" cy="1657581"/>
+          </a:xfrm>
+          <a:prstGeom prst="rect">
+            <a:avLst/>
+          </a:prstGeom>
+        </p:spPr>
+      </p:pic>
+    </p:spTree>
+    <p:extLst>
+      <p:ext uri="{BB962C8B-B14F-4D97-AF65-F5344CB8AC3E}">
+        <p14:creationId xmlns:p14="http://schemas.microsoft.com/office/powerpoint/2010/main" val="2357623399"/>
+      </p:ext>
+    </p:extLst>
+  </p:cSld>
+  <p:clrMapOvr>
+    <a:masterClrMapping/>
+  </p:clrMapOvr>
+</p:sld>
+</file>
+
+<file path=ppt/slides/slide9.xml><?xml version="1.0" encoding="utf-8"?>
+<p:sld xmlns:a="http://schemas.openxmlformats.org/drawingml/2006/main" xmlns:r="http://schemas.openxmlformats.org/officeDocument/2006/relationships" xmlns:p="http://schemas.openxmlformats.org/presentationml/2006/main">
+  <p:cSld>
+    <p:spTree>
+      <p:nvGrpSpPr>
+        <p:cNvPr id="1" name=""/>
+        <p:cNvGrpSpPr/>
+        <p:nvPr/>
+      </p:nvGrpSpPr>
+      <p:grpSpPr>
+        <a:xfrm>
+          <a:off x="0" y="0"/>
+          <a:ext cx="0" cy="0"/>
+          <a:chOff x="0" y="0"/>
+          <a:chExt cx="0" cy="0"/>
+        </a:xfrm>
+      </p:grpSpPr>
+      <p:sp>
+        <p:nvSpPr>
+          <p:cNvPr id="2" name="Titolo 1">
+            <a:extLst>
+              <a:ext uri="{FF2B5EF4-FFF2-40B4-BE49-F238E27FC236}">
+                <a16:creationId xmlns:a16="http://schemas.microsoft.com/office/drawing/2014/main" id="{45778166-596D-6EF3-517B-3630072192EA}"/>
+              </a:ext>
+            </a:extLst>
+          </p:cNvPr>
+          <p:cNvSpPr>
+            <a:spLocks noGrp="1"/>
+          </p:cNvSpPr>
+          <p:nvPr>
+            <p:ph type="title"/>
+          </p:nvPr>
+        </p:nvSpPr>
+        <p:spPr/>
+        <p:txBody>
+          <a:bodyPr>
+            <a:normAutofit/>
+          </a:bodyPr>
+          <a:lstStyle/>
+          <a:p>
+            <a:r>
+              <a:rPr lang="en-GB" dirty="0"/>
+              <a:t>Optimization Results</a:t>
+            </a:r>
+            <a:endParaRPr lang="it-IT" dirty="0"/>
+          </a:p>
+        </p:txBody>
+      </p:sp>
+      <p:pic>
+        <p:nvPicPr>
+          <p:cNvPr id="4" name="Immagine 3">
+            <a:extLst>
+              <a:ext uri="{FF2B5EF4-FFF2-40B4-BE49-F238E27FC236}">
+                <a16:creationId xmlns:a16="http://schemas.microsoft.com/office/drawing/2014/main" id="{DE4652B3-40D5-6C9A-A559-C13E07FA591E}"/>
+              </a:ext>
+            </a:extLst>
+          </p:cNvPr>
+          <p:cNvPicPr>
+            <a:picLocks noChangeAspect="1"/>
+          </p:cNvPicPr>
+          <p:nvPr/>
+        </p:nvPicPr>
+        <p:blipFill>
+          <a:blip r:embed="rId2"/>
+          <a:stretch>
+            <a:fillRect/>
+          </a:stretch>
+        </p:blipFill>
+        <p:spPr>
+          <a:xfrm>
+            <a:off x="467160" y="1573693"/>
+            <a:ext cx="4987822" cy="4429265"/>
+          </a:xfrm>
+          <a:prstGeom prst="rect">
+            <a:avLst/>
+          </a:prstGeom>
+        </p:spPr>
+      </p:pic>
+      <p:pic>
+        <p:nvPicPr>
+          <p:cNvPr id="7" name="Immagine 6">
+            <a:extLst>
+              <a:ext uri="{FF2B5EF4-FFF2-40B4-BE49-F238E27FC236}">
+                <a16:creationId xmlns:a16="http://schemas.microsoft.com/office/drawing/2014/main" id="{FB741B6F-F86F-2AA9-EF8B-5CD2BCE62EDE}"/>
+              </a:ext>
+            </a:extLst>
+          </p:cNvPr>
+          <p:cNvPicPr>
+            <a:picLocks noChangeAspect="1"/>
+          </p:cNvPicPr>
+          <p:nvPr/>
+        </p:nvPicPr>
+        <p:blipFill>
+          <a:blip r:embed="rId3"/>
+          <a:stretch>
+            <a:fillRect/>
+          </a:stretch>
+        </p:blipFill>
+        <p:spPr>
+          <a:xfrm>
+            <a:off x="5792309" y="1573693"/>
+            <a:ext cx="5932531" cy="4429265"/>
+          </a:xfrm>
+          <a:prstGeom prst="rect">
+            <a:avLst/>
+          </a:prstGeom>
+        </p:spPr>
+      </p:pic>
+    </p:spTree>
+    <p:extLst>
+      <p:ext uri="{BB962C8B-B14F-4D97-AF65-F5344CB8AC3E}">
+        <p14:creationId xmlns:p14="http://schemas.microsoft.com/office/powerpoint/2010/main" val="2976984935"/>
       </p:ext>
     </p:extLst>
   </p:cSld>

--- a/Presentation_midterm.pptx
+++ b/Presentation_midterm.pptx
@@ -258,7 +258,7 @@
       <p15:sldGuideLst xmlns:p15="http://schemas.microsoft.com/office/powerpoint/2012/main"/>
     </p:ext>
     <p:ext uri="http://customooxmlschemas.google.com/">
-      <go:slidesCustomData xmlns="" xmlns:mc="http://schemas.openxmlformats.org/markup-compatibility/2006" xmlns:mv="urn:schemas-microsoft-com:mac:vml" xmlns:c="http://schemas.openxmlformats.org/drawingml/2006/chart" xmlns:dgm="http://schemas.openxmlformats.org/drawingml/2006/diagram" xmlns:o="urn:schemas-microsoft-com:office:office" xmlns:v="urn:schemas-microsoft-com:vml" xmlns:pvml="urn:schemas-microsoft-com:office:powerpoint" xmlns:com="http://schemas.openxmlformats.org/drawingml/2006/compatibility" xmlns:p14="http://schemas.microsoft.com/office/powerpoint/2010/main" xmlns:p15="http://schemas.microsoft.com/office/powerpoint/2012/main" xmlns:ahyp="http://schemas.microsoft.com/office/drawing/2018/hyperlinkcolor" xmlns:go="http://customooxmlschemas.google.com/" r:id="rId20" roundtripDataSignature="AMtx7mhV++hMKseQWfytY63H4TYg9mFrEQ=="/>
+      <go:slidesCustomData xmlns:go="http://customooxmlschemas.google.com/" xmlns:ahyp="http://schemas.microsoft.com/office/drawing/2018/hyperlinkcolor" xmlns:p15="http://schemas.microsoft.com/office/powerpoint/2012/main" xmlns:p14="http://schemas.microsoft.com/office/powerpoint/2010/main" xmlns:com="http://schemas.openxmlformats.org/drawingml/2006/compatibility" xmlns:pvml="urn:schemas-microsoft-com:office:powerpoint" xmlns:v="urn:schemas-microsoft-com:vml" xmlns:o="urn:schemas-microsoft-com:office:office" xmlns:dgm="http://schemas.openxmlformats.org/drawingml/2006/diagram" xmlns:c="http://schemas.openxmlformats.org/drawingml/2006/chart" xmlns:mv="urn:schemas-microsoft-com:mac:vml" xmlns:mc="http://schemas.openxmlformats.org/markup-compatibility/2006" xmlns="" r:id="rId20" roundtripDataSignature="AMtx7mhV++hMKseQWfytY63H4TYg9mFrEQ=="/>
     </p:ext>
   </p:extLst>
 </p:presentation>
@@ -277,10 +277,25 @@
   <pc:docChgLst>
     <pc:chgData name="Andrea Archetti" userId="291975a6-52d4-44d6-83c4-62271c88eb97" providerId="ADAL" clId="{50221FE2-3732-40EC-89C5-FD390CBB239C}"/>
     <pc:docChg chg="undo custSel delSld modSld">
-      <pc:chgData name="Andrea Archetti" userId="291975a6-52d4-44d6-83c4-62271c88eb97" providerId="ADAL" clId="{50221FE2-3732-40EC-89C5-FD390CBB239C}" dt="2023-04-19T13:43:47.562" v="11"/>
+      <pc:chgData name="Andrea Archetti" userId="291975a6-52d4-44d6-83c4-62271c88eb97" providerId="ADAL" clId="{50221FE2-3732-40EC-89C5-FD390CBB239C}" dt="2023-04-19T18:29:19.928" v="19" actId="478"/>
       <pc:docMkLst>
         <pc:docMk/>
       </pc:docMkLst>
+      <pc:sldChg chg="addSp modSp mod">
+        <pc:chgData name="Andrea Archetti" userId="291975a6-52d4-44d6-83c4-62271c88eb97" providerId="ADAL" clId="{50221FE2-3732-40EC-89C5-FD390CBB239C}" dt="2023-04-19T17:54:47.525" v="15" actId="1076"/>
+        <pc:sldMkLst>
+          <pc:docMk/>
+          <pc:sldMk cId="0" sldId="259"/>
+        </pc:sldMkLst>
+        <pc:picChg chg="add mod">
+          <ac:chgData name="Andrea Archetti" userId="291975a6-52d4-44d6-83c4-62271c88eb97" providerId="ADAL" clId="{50221FE2-3732-40EC-89C5-FD390CBB239C}" dt="2023-04-19T17:54:47.525" v="15" actId="1076"/>
+          <ac:picMkLst>
+            <pc:docMk/>
+            <pc:sldMk cId="0" sldId="259"/>
+            <ac:picMk id="3" creationId="{9FEB75DC-4A0B-DF48-B845-CD750E1272C9}"/>
+          </ac:picMkLst>
+        </pc:picChg>
+      </pc:sldChg>
       <pc:sldChg chg="del">
         <pc:chgData name="Andrea Archetti" userId="291975a6-52d4-44d6-83c4-62271c88eb97" providerId="ADAL" clId="{50221FE2-3732-40EC-89C5-FD390CBB239C}" dt="2023-04-19T13:41:08.323" v="1" actId="47"/>
         <pc:sldMkLst>
@@ -296,7 +311,7 @@
         </pc:sldMkLst>
       </pc:sldChg>
       <pc:sldChg chg="addSp delSp modSp mod">
-        <pc:chgData name="Andrea Archetti" userId="291975a6-52d4-44d6-83c4-62271c88eb97" providerId="ADAL" clId="{50221FE2-3732-40EC-89C5-FD390CBB239C}" dt="2023-04-19T13:43:47.562" v="11"/>
+        <pc:chgData name="Andrea Archetti" userId="291975a6-52d4-44d6-83c4-62271c88eb97" providerId="ADAL" clId="{50221FE2-3732-40EC-89C5-FD390CBB239C}" dt="2023-04-19T18:29:19.928" v="19" actId="478"/>
         <pc:sldMkLst>
           <pc:docMk/>
           <pc:sldMk cId="0" sldId="266"/>
@@ -309,16 +324,16 @@
             <ac:grpSpMk id="4" creationId="{8E9CEFC0-81EC-2195-D6DE-5EC6B7FBD327}"/>
           </ac:grpSpMkLst>
         </pc:grpChg>
-        <pc:grpChg chg="mod">
-          <ac:chgData name="Andrea Archetti" userId="291975a6-52d4-44d6-83c4-62271c88eb97" providerId="ADAL" clId="{50221FE2-3732-40EC-89C5-FD390CBB239C}" dt="2023-04-19T13:43:47.562" v="11"/>
+        <pc:grpChg chg="del mod">
+          <ac:chgData name="Andrea Archetti" userId="291975a6-52d4-44d6-83c4-62271c88eb97" providerId="ADAL" clId="{50221FE2-3732-40EC-89C5-FD390CBB239C}" dt="2023-04-19T17:56:50.037" v="16" actId="478"/>
           <ac:grpSpMkLst>
             <pc:docMk/>
             <pc:sldMk cId="0" sldId="266"/>
             <ac:grpSpMk id="7" creationId="{82FF2003-D20A-DEA5-C86D-36D5B21A761D}"/>
           </ac:grpSpMkLst>
         </pc:grpChg>
-        <pc:picChg chg="mod">
-          <ac:chgData name="Andrea Archetti" userId="291975a6-52d4-44d6-83c4-62271c88eb97" providerId="ADAL" clId="{50221FE2-3732-40EC-89C5-FD390CBB239C}" dt="2023-04-19T13:43:21.425" v="2" actId="1076"/>
+        <pc:picChg chg="del mod">
+          <ac:chgData name="Andrea Archetti" userId="291975a6-52d4-44d6-83c4-62271c88eb97" providerId="ADAL" clId="{50221FE2-3732-40EC-89C5-FD390CBB239C}" dt="2023-04-19T18:29:19.928" v="19" actId="478"/>
           <ac:picMkLst>
             <pc:docMk/>
             <pc:sldMk cId="0" sldId="266"/>
@@ -361,60 +376,6 @@
     </pc:docChg>
   </pc:docChgLst>
 </pc:chgInfo>
-</file>
-
-<file path=ppt/ink/ink1.xml><?xml version="1.0" encoding="utf-8"?>
-<inkml:ink xmlns:inkml="http://www.w3.org/2003/InkML">
-  <inkml:definitions>
-    <inkml:context xml:id="ctx0">
-      <inkml:inkSource xml:id="inkSrc0">
-        <inkml:traceFormat>
-          <inkml:channel name="X" type="integer" min="-2.14748E9" max="2.14748E9" units="cm"/>
-          <inkml:channel name="Y" type="integer" min="-2.14748E9" max="2.14748E9" units="cm"/>
-          <inkml:channel name="F" type="integer" max="32767" units="dev"/>
-        </inkml:traceFormat>
-        <inkml:channelProperties>
-          <inkml:channelProperty channel="X" name="resolution" value="1000" units="1/cm"/>
-          <inkml:channelProperty channel="Y" name="resolution" value="1000" units="1/cm"/>
-          <inkml:channelProperty channel="F" name="resolution" value="0" units="1/dev"/>
-        </inkml:channelProperties>
-      </inkml:inkSource>
-      <inkml:timestamp xml:id="ts0" timeString="2023-04-19T13:43:45.608"/>
-    </inkml:context>
-    <inkml:brush xml:id="br0">
-      <inkml:brushProperty name="width" value="0.05" units="cm"/>
-      <inkml:brushProperty name="height" value="0.05" units="cm"/>
-    </inkml:brush>
-  </inkml:definitions>
-  <inkml:trace contextRef="#ctx0" brushRef="#br0">0 203 24575,'1'-6'0,"0"0"0,0 0 0,0 0 0,1 0 0,-1 0 0,1 1 0,1-1 0,-1 0 0,1 1 0,0 0 0,0-1 0,1 1 0,-1 1 0,1-1 0,0 0 0,8-6 0,6-4 0,0 0 0,1 2 0,21-12 0,-29 19 0,0 1 0,0 0 0,0 1 0,0 0 0,1 1 0,-1 1 0,1-1 0,0 2 0,-1 0 0,1 0 0,0 1 0,0 0 0,0 1 0,14 3 0,-16-2 0,-1 0 0,0 0 0,0 1 0,0 0 0,-1 1 0,1 0 0,-1 0 0,0 0 0,0 1 0,0 1 0,0-1 0,-1 1 0,0 1 0,0-1 0,-1 1 0,0 0 0,0 1 0,6 11 0,35 58 0,-30-51 0,-1 0 0,-2 2 0,17 41 0,-26-49 0,0 0 0,-1 1 0,0 28 0,10 44 0,-8-65 0,0 0 0,-2 0 0,-1 0 0,0 43 0,-4-57 0,0 0 0,0 0 0,-2 0 0,0 0 0,0-1 0,-1 1 0,-1-1 0,0 0 0,-1 0 0,0 0 0,-9 11 0,8-15 0,0 0 0,-1-1 0,-1 0 0,-15 11 0,-22 23 0,-90 96 0,96-99 0,34-34 0,-1 1 0,1 0 0,0 0 0,0 1 0,0-1 0,1 1 0,-7 12 0,2 5 0,1 0 0,0 1 0,2 1 0,1-1 0,1 1 0,1 0 0,2 0 0,0 1 0,2-1 0,0 0 0,6 34 0,-4-45 20,1 0 0,0 0 0,1 0 0,1-1 0,6 16 0,-8-24-134,0 1 0,0-1-1,1 0 1,0 0 0,0 0 0,0-1-1,1 1 1,-1-1 0,1 0 0,1 0-1,-1-1 1,11 7 0,7 0-6712</inkml:trace>
-</inkml:ink>
-</file>
-
-<file path=ppt/ink/ink2.xml><?xml version="1.0" encoding="utf-8"?>
-<inkml:ink xmlns:inkml="http://www.w3.org/2003/InkML">
-  <inkml:definitions>
-    <inkml:context xml:id="ctx0">
-      <inkml:inkSource xml:id="inkSrc0">
-        <inkml:traceFormat>
-          <inkml:channel name="X" type="integer" min="-2.14748E9" max="2.14748E9" units="cm"/>
-          <inkml:channel name="Y" type="integer" min="-2.14748E9" max="2.14748E9" units="cm"/>
-          <inkml:channel name="F" type="integer" max="32767" units="dev"/>
-        </inkml:traceFormat>
-        <inkml:channelProperties>
-          <inkml:channelProperty channel="X" name="resolution" value="1000" units="1/cm"/>
-          <inkml:channelProperty channel="Y" name="resolution" value="1000" units="1/cm"/>
-          <inkml:channelProperty channel="F" name="resolution" value="0" units="1/dev"/>
-        </inkml:channelProperties>
-      </inkml:inkSource>
-      <inkml:timestamp xml:id="ts0" timeString="2023-04-19T13:43:46.607"/>
-    </inkml:context>
-    <inkml:brush xml:id="br0">
-      <inkml:brushProperty name="width" value="0.05" units="cm"/>
-      <inkml:brushProperty name="height" value="0.05" units="cm"/>
-    </inkml:brush>
-  </inkml:definitions>
-  <inkml:trace contextRef="#ctx0" brushRef="#br0">42 311 24575,'0'-12'0,"0"1"0,0-1 0,1 0 0,1 1 0,0-1 0,1 1 0,0-1 0,1 1 0,0 0 0,0 0 0,1 1 0,1-1 0,0 1 0,0 0 0,1 1 0,0 0 0,1 0 0,0 0 0,0 1 0,1 0 0,14-10 0,-7 7 0,1 0 0,0 1 0,0 0 0,1 2 0,30-11 0,-44 18 0,0 0 0,-1 0 0,1 1 0,0-1 0,0 1 0,0 0 0,-1 0 0,1 0 0,0 1 0,0-1 0,-1 1 0,1 0 0,0 0 0,-1 0 0,5 2 0,-5 0 0,0-1 0,0 0 0,0 1 0,0 0 0,-1-1 0,1 1 0,-1 0 0,0 1 0,0-1 0,0 0 0,0 0 0,0 1 0,-1-1 0,1 1 0,-1 0 0,0-1 0,0 1 0,0 5 0,1 3 0,-1 1 0,1-1 0,-2 1 0,0-1 0,-1 1 0,0-1 0,-1 0 0,-5 21 0,5-26 0,0-1 0,0 1 0,-1-1 0,0 1 0,0-1 0,-1 0 0,1 0 0,-1-1 0,-1 1 0,1-1 0,-1 0 0,0 0 0,0 0 0,0-1 0,-1 0 0,-11 7 0,-27 14 0,22-12 0,-44 19 0,60-30 0,1 0 0,0 0 0,-1-1 0,1 1 0,-1-1 0,0-1 0,1 1 0,-1-1 0,0 0 0,0 0 0,1-1 0,-1 1 0,-10-4 0,13 3 0,0-1 0,0 1 0,0-1 0,0 0 0,1 0 0,-1 0 0,1 0 0,-1-1 0,1 1 0,0-1 0,0 1 0,0-1 0,0 0 0,1 0 0,-1 0 0,1 0 0,-1 0 0,1 0 0,0 0 0,0 0 0,0 0 0,1-1 0,-1 1 0,1 0 0,0 0 0,0-1 0,0 1 0,0 0 0,1-1 0,-1 1 0,1 0 0,0 0 0,0-1 0,0 1 0,0 0 0,0 0 0,1 0 0,0 0 0,-1 1 0,1-1 0,0 0 0,0 1 0,0-1 0,1 1 0,-1 0 0,1-1 0,-1 1 0,1 1 0,5-4 0,-2 3 0,0 0 0,0 0 0,0 0 0,1 1 0,-1 0 0,1 0 0,-1 1 0,1 0 0,-1 0 0,1 0 0,-1 1 0,0 0 0,1 0 0,-1 1 0,0 0 0,1 0 0,-1 0 0,0 1 0,-1 0 0,7 3 0,-8-3 0,0-1 0,-1 1 0,1-1 0,-1 1 0,1 0 0,-1 0 0,0 1 0,0-1 0,0 0 0,0 1 0,-1 0 0,0 0 0,1 0 0,-1 0 0,-1 0 0,1 0 0,0 1 0,-1-1 0,0 0 0,0 1 0,-1-1 0,1 1 0,-1-1 0,0 1 0,0-1 0,0 1 0,-1-1 0,1 1 0,-3 7 0,1-8 0,-1 0 0,1 0 0,-1 0 0,1 0 0,-1 0 0,0 0 0,-1-1 0,1 1 0,-1-1 0,1 0 0,-1 0 0,0 0 0,0-1 0,0 0 0,0 1 0,-9 2 0,-1 1 0,-1-1 0,1-1 0,-1 0 0,-17 2 0,27-5 0,0-1 0,-1 0 0,1 0 0,-1 0 0,1 0 0,-1-1 0,1 0 0,0 0 0,0 0 0,-1-1 0,1 0 0,0 0 0,0 0 0,-8-6 0,11 6 0,-1 0 0,1 0 0,0 0 0,0 0 0,0 0 0,0 0 0,0-1 0,1 1 0,-1-1 0,1 1 0,-1-1 0,1 0 0,0 1 0,0-1 0,0 0 0,1 0 0,-1 0 0,0 0 0,1 0 0,0 0 0,0 0 0,0 0 0,0 0 0,0 0 0,1 0 0,0 0 0,-1 1 0,3-7 0,-1 6 0,-1-1 0,1 0 0,0 1 0,1-1 0,-1 1 0,0-1 0,1 1 0,0 0 0,0 0 0,0 0 0,0 1 0,1-1 0,-1 1 0,6-4 0,61-25 0,-35 16 0,-8 3-1365,-3 1-5461</inkml:trace>
-</inkml:ink>
 </file>
 
 <file path=ppt/notesMasters/notesMaster1.xml><?xml version="1.0" encoding="utf-8"?>
@@ -1653,8 +1614,8 @@
         </p:nvSpPr>
         <p:spPr>
           <a:xfrm>
-            <a:off x="1143225" y="685800"/>
-            <a:ext cx="4572225" cy="3429000"/>
+            <a:off x="381000" y="685800"/>
+            <a:ext cx="6096000" cy="3429000"/>
           </a:xfrm>
           <a:custGeom>
             <a:avLst/>
@@ -14117,6 +14078,36 @@
           </a:ln>
         </p:spPr>
       </p:pic>
+      <p:pic>
+        <p:nvPicPr>
+          <p:cNvPr id="3" name="Immagine 2">
+            <a:extLst>
+              <a:ext uri="{FF2B5EF4-FFF2-40B4-BE49-F238E27FC236}">
+                <a16:creationId xmlns:a16="http://schemas.microsoft.com/office/drawing/2014/main" id="{9FEB75DC-4A0B-DF48-B845-CD750E1272C9}"/>
+              </a:ext>
+            </a:extLst>
+          </p:cNvPr>
+          <p:cNvPicPr>
+            <a:picLocks noChangeAspect="1"/>
+          </p:cNvPicPr>
+          <p:nvPr/>
+        </p:nvPicPr>
+        <p:blipFill>
+          <a:blip r:embed="rId7"/>
+          <a:stretch>
+            <a:fillRect/>
+          </a:stretch>
+        </p:blipFill>
+        <p:spPr>
+          <a:xfrm>
+            <a:off x="7954006" y="4136241"/>
+            <a:ext cx="557844" cy="141997"/>
+          </a:xfrm>
+          <a:prstGeom prst="rect">
+            <a:avLst/>
+          </a:prstGeom>
+        </p:spPr>
+      </p:pic>
     </p:spTree>
   </p:cSld>
   <p:clrMapOvr>
@@ -14719,157 +14710,6 @@
           </a:ln>
         </p:spPr>
       </p:pic>
-      <p:pic>
-        <p:nvPicPr>
-          <p:cNvPr id="169" name="Google Shape;169;g231137a7264_2_8"/>
-          <p:cNvPicPr preferRelativeResize="0"/>
-          <p:nvPr/>
-        </p:nvPicPr>
-        <p:blipFill>
-          <a:blip r:embed="rId6">
-            <a:alphaModFix/>
-          </a:blip>
-          <a:stretch>
-            <a:fillRect/>
-          </a:stretch>
-        </p:blipFill>
-        <p:spPr>
-          <a:xfrm>
-            <a:off x="838200" y="5724300"/>
-            <a:ext cx="2014450" cy="981050"/>
-          </a:xfrm>
-          <a:prstGeom prst="rect">
-            <a:avLst/>
-          </a:prstGeom>
-          <a:noFill/>
-          <a:ln>
-            <a:noFill/>
-          </a:ln>
-        </p:spPr>
-      </p:pic>
-      <p:grpSp>
-        <p:nvGrpSpPr>
-          <p:cNvPr id="7" name="Gruppo 6">
-            <a:extLst>
-              <a:ext uri="{FF2B5EF4-FFF2-40B4-BE49-F238E27FC236}">
-                <a16:creationId xmlns:a16="http://schemas.microsoft.com/office/drawing/2014/main" id="{82FF2003-D20A-DEA5-C86D-36D5B21A761D}"/>
-              </a:ext>
-            </a:extLst>
-          </p:cNvPr>
-          <p:cNvGrpSpPr/>
-          <p:nvPr/>
-        </p:nvGrpSpPr>
-        <p:grpSpPr>
-          <a:xfrm>
-            <a:off x="1913095" y="5117926"/>
-            <a:ext cx="240840" cy="860400"/>
-            <a:chOff x="1913095" y="5117926"/>
-            <a:chExt cx="240840" cy="860400"/>
-          </a:xfrm>
-        </p:grpSpPr>
-        <mc:AlternateContent xmlns:mc="http://schemas.openxmlformats.org/markup-compatibility/2006">
-          <mc:Choice xmlns:p14="http://schemas.microsoft.com/office/powerpoint/2010/main" Requires="p14">
-            <p:contentPart p14:bwMode="auto" r:id="rId7">
-              <p14:nvContentPartPr>
-                <p14:cNvPr id="5" name="Input penna 4">
-                  <a:extLst>
-                    <a:ext uri="{FF2B5EF4-FFF2-40B4-BE49-F238E27FC236}">
-                      <a16:creationId xmlns:a16="http://schemas.microsoft.com/office/drawing/2014/main" id="{8097B1BA-EF7A-5FE3-F5A3-353B63ED0F51}"/>
-                    </a:ext>
-                  </a:extLst>
-                </p14:cNvPr>
-                <p14:cNvContentPartPr/>
-                <p14:nvPr/>
-              </p14:nvContentPartPr>
-              <p14:xfrm>
-                <a:off x="1913095" y="5117926"/>
-                <a:ext cx="239400" cy="634680"/>
-              </p14:xfrm>
-            </p:contentPart>
-          </mc:Choice>
-          <mc:Fallback>
-            <p:pic>
-              <p:nvPicPr>
-                <p:cNvPr id="5" name="Input penna 4">
-                  <a:extLst>
-                    <a:ext uri="{FF2B5EF4-FFF2-40B4-BE49-F238E27FC236}">
-                      <a16:creationId xmlns:a16="http://schemas.microsoft.com/office/drawing/2014/main" id="{8097B1BA-EF7A-5FE3-F5A3-353B63ED0F51}"/>
-                    </a:ext>
-                  </a:extLst>
-                </p:cNvPr>
-                <p:cNvPicPr/>
-                <p:nvPr/>
-              </p:nvPicPr>
-              <p:blipFill>
-                <a:blip r:embed="rId8"/>
-                <a:stretch>
-                  <a:fillRect/>
-                </a:stretch>
-              </p:blipFill>
-              <p:spPr>
-                <a:xfrm>
-                  <a:off x="1904095" y="5109286"/>
-                  <a:ext cx="257040" cy="652320"/>
-                </a:xfrm>
-                <a:prstGeom prst="rect">
-                  <a:avLst/>
-                </a:prstGeom>
-              </p:spPr>
-            </p:pic>
-          </mc:Fallback>
-        </mc:AlternateContent>
-        <mc:AlternateContent xmlns:mc="http://schemas.openxmlformats.org/markup-compatibility/2006">
-          <mc:Choice xmlns:p14="http://schemas.microsoft.com/office/powerpoint/2010/main" Requires="p14">
-            <p:contentPart p14:bwMode="auto" r:id="rId9">
-              <p14:nvContentPartPr>
-                <p14:cNvPr id="6" name="Input penna 5">
-                  <a:extLst>
-                    <a:ext uri="{FF2B5EF4-FFF2-40B4-BE49-F238E27FC236}">
-                      <a16:creationId xmlns:a16="http://schemas.microsoft.com/office/drawing/2014/main" id="{8D2BB45D-1246-593D-32CF-1E5BF6FFC1C4}"/>
-                    </a:ext>
-                  </a:extLst>
-                </p14:cNvPr>
-                <p14:cNvContentPartPr/>
-                <p14:nvPr/>
-              </p14:nvContentPartPr>
-              <p14:xfrm>
-                <a:off x="2010295" y="5810206"/>
-                <a:ext cx="143640" cy="168120"/>
-              </p14:xfrm>
-            </p:contentPart>
-          </mc:Choice>
-          <mc:Fallback>
-            <p:pic>
-              <p:nvPicPr>
-                <p:cNvPr id="6" name="Input penna 5">
-                  <a:extLst>
-                    <a:ext uri="{FF2B5EF4-FFF2-40B4-BE49-F238E27FC236}">
-                      <a16:creationId xmlns:a16="http://schemas.microsoft.com/office/drawing/2014/main" id="{8D2BB45D-1246-593D-32CF-1E5BF6FFC1C4}"/>
-                    </a:ext>
-                  </a:extLst>
-                </p:cNvPr>
-                <p:cNvPicPr/>
-                <p:nvPr/>
-              </p:nvPicPr>
-              <p:blipFill>
-                <a:blip r:embed="rId10"/>
-                <a:stretch>
-                  <a:fillRect/>
-                </a:stretch>
-              </p:blipFill>
-              <p:spPr>
-                <a:xfrm>
-                  <a:off x="2001655" y="5801566"/>
-                  <a:ext cx="161280" cy="185760"/>
-                </a:xfrm>
-                <a:prstGeom prst="rect">
-                  <a:avLst/>
-                </a:prstGeom>
-              </p:spPr>
-            </p:pic>
-          </mc:Fallback>
-        </mc:AlternateContent>
-      </p:grpSp>
     </p:spTree>
   </p:cSld>
   <p:clrMapOvr>

--- a/Presentation_midterm.pptx
+++ b/Presentation_midterm.pptx
@@ -5,7 +5,7 @@
     <p:sldMasterId id="2147483648" r:id="rId1"/>
   </p:sldMasterIdLst>
   <p:notesMasterIdLst>
-    <p:notesMasterId r:id="rId15"/>
+    <p:notesMasterId r:id="rId18"/>
   </p:notesMasterIdLst>
   <p:sldIdLst>
     <p:sldId id="256" r:id="rId2"/>
@@ -21,6 +21,9 @@
     <p:sldId id="268" r:id="rId12"/>
     <p:sldId id="269" r:id="rId13"/>
     <p:sldId id="270" r:id="rId14"/>
+    <p:sldId id="271" r:id="rId15"/>
+    <p:sldId id="273" r:id="rId16"/>
+    <p:sldId id="274" r:id="rId17"/>
   </p:sldIdLst>
   <p:sldSz cx="12192000" cy="6858000"/>
   <p:notesSz cx="6858000" cy="9144000"/>
@@ -258,7 +261,7 @@
       <p15:sldGuideLst xmlns:p15="http://schemas.microsoft.com/office/powerpoint/2012/main"/>
     </p:ext>
     <p:ext uri="http://customooxmlschemas.google.com/">
-      <go:slidesCustomData xmlns:go="http://customooxmlschemas.google.com/" xmlns:ahyp="http://schemas.microsoft.com/office/drawing/2018/hyperlinkcolor" xmlns:p15="http://schemas.microsoft.com/office/powerpoint/2012/main" xmlns:p14="http://schemas.microsoft.com/office/powerpoint/2010/main" xmlns:com="http://schemas.openxmlformats.org/drawingml/2006/compatibility" xmlns:pvml="urn:schemas-microsoft-com:office:powerpoint" xmlns:v="urn:schemas-microsoft-com:vml" xmlns:o="urn:schemas-microsoft-com:office:office" xmlns:dgm="http://schemas.openxmlformats.org/drawingml/2006/diagram" xmlns:c="http://schemas.openxmlformats.org/drawingml/2006/chart" xmlns:mv="urn:schemas-microsoft-com:mac:vml" xmlns:mc="http://schemas.openxmlformats.org/markup-compatibility/2006" xmlns="" r:id="rId20" roundtripDataSignature="AMtx7mhV++hMKseQWfytY63H4TYg9mFrEQ=="/>
+      <go:slidesCustomData xmlns="" xmlns:mc="http://schemas.openxmlformats.org/markup-compatibility/2006" xmlns:mv="urn:schemas-microsoft-com:mac:vml" xmlns:c="http://schemas.openxmlformats.org/drawingml/2006/chart" xmlns:dgm="http://schemas.openxmlformats.org/drawingml/2006/diagram" xmlns:o="urn:schemas-microsoft-com:office:office" xmlns:v="urn:schemas-microsoft-com:vml" xmlns:pvml="urn:schemas-microsoft-com:office:powerpoint" xmlns:com="http://schemas.openxmlformats.org/drawingml/2006/compatibility" xmlns:p14="http://schemas.microsoft.com/office/powerpoint/2010/main" xmlns:p15="http://schemas.microsoft.com/office/powerpoint/2012/main" xmlns:ahyp="http://schemas.microsoft.com/office/drawing/2018/hyperlinkcolor" xmlns:go="http://customooxmlschemas.google.com/" r:id="rId20" roundtripDataSignature="AMtx7mhV++hMKseQWfytY63H4TYg9mFrEQ=="/>
     </p:ext>
   </p:extLst>
 </p:presentation>
@@ -267,7 +270,7 @@
 <file path=ppt/revisionInfo.xml><?xml version="1.0" encoding="utf-8"?>
 <p1510:revInfo xmlns:a="http://schemas.openxmlformats.org/drawingml/2006/main" xmlns:r="http://schemas.openxmlformats.org/officeDocument/2006/relationships" xmlns:p1510="http://schemas.microsoft.com/office/powerpoint/2015/10/main">
   <p1510:revLst>
-    <p1510:client id="{50221FE2-3732-40EC-89C5-FD390CBB239C}" v="3" dt="2023-04-19T13:43:47.562"/>
+    <p1510:client id="{50221FE2-3732-40EC-89C5-FD390CBB239C}" v="6" dt="2023-04-20T11:17:11.864"/>
   </p1510:revLst>
 </p1510:revInfo>
 </file>
@@ -276,8 +279,8 @@
 <pc:chgInfo xmlns:a="http://schemas.openxmlformats.org/drawingml/2006/main" xmlns:r="http://schemas.openxmlformats.org/officeDocument/2006/relationships" xmlns:ac="http://schemas.microsoft.com/office/drawing/2013/main/command" xmlns:pc="http://schemas.microsoft.com/office/powerpoint/2013/main/command">
   <pc:docChgLst>
     <pc:chgData name="Andrea Archetti" userId="291975a6-52d4-44d6-83c4-62271c88eb97" providerId="ADAL" clId="{50221FE2-3732-40EC-89C5-FD390CBB239C}"/>
-    <pc:docChg chg="undo custSel delSld modSld">
-      <pc:chgData name="Andrea Archetti" userId="291975a6-52d4-44d6-83c4-62271c88eb97" providerId="ADAL" clId="{50221FE2-3732-40EC-89C5-FD390CBB239C}" dt="2023-04-19T18:29:19.928" v="19" actId="478"/>
+    <pc:docChg chg="undo custSel addSld delSld modSld">
+      <pc:chgData name="Andrea Archetti" userId="291975a6-52d4-44d6-83c4-62271c88eb97" providerId="ADAL" clId="{50221FE2-3732-40EC-89C5-FD390CBB239C}" dt="2023-04-20T11:18:31.252" v="101" actId="1076"/>
       <pc:docMkLst>
         <pc:docMk/>
       </pc:docMkLst>
@@ -372,6 +375,146 @@
             <ac:inkMk id="6" creationId="{8D2BB45D-1246-593D-32CF-1E5BF6FFC1C4}"/>
           </ac:inkMkLst>
         </pc:inkChg>
+      </pc:sldChg>
+      <pc:sldChg chg="addSp delSp modSp new mod">
+        <pc:chgData name="Andrea Archetti" userId="291975a6-52d4-44d6-83c4-62271c88eb97" providerId="ADAL" clId="{50221FE2-3732-40EC-89C5-FD390CBB239C}" dt="2023-04-20T11:12:08.244" v="71" actId="313"/>
+        <pc:sldMkLst>
+          <pc:docMk/>
+          <pc:sldMk cId="432629419" sldId="271"/>
+        </pc:sldMkLst>
+        <pc:spChg chg="del">
+          <ac:chgData name="Andrea Archetti" userId="291975a6-52d4-44d6-83c4-62271c88eb97" providerId="ADAL" clId="{50221FE2-3732-40EC-89C5-FD390CBB239C}" dt="2023-04-20T11:09:44.971" v="24" actId="478"/>
+          <ac:spMkLst>
+            <pc:docMk/>
+            <pc:sldMk cId="432629419" sldId="271"/>
+            <ac:spMk id="2" creationId="{5C054D49-E662-F29F-7A9F-ED623F09420E}"/>
+          </ac:spMkLst>
+        </pc:spChg>
+        <pc:spChg chg="del">
+          <ac:chgData name="Andrea Archetti" userId="291975a6-52d4-44d6-83c4-62271c88eb97" providerId="ADAL" clId="{50221FE2-3732-40EC-89C5-FD390CBB239C}" dt="2023-04-20T11:09:46.235" v="25" actId="478"/>
+          <ac:spMkLst>
+            <pc:docMk/>
+            <pc:sldMk cId="432629419" sldId="271"/>
+            <ac:spMk id="3" creationId="{AE4ECBC1-7577-530F-9B59-6617182EBD68}"/>
+          </ac:spMkLst>
+        </pc:spChg>
+        <pc:spChg chg="add mod">
+          <ac:chgData name="Andrea Archetti" userId="291975a6-52d4-44d6-83c4-62271c88eb97" providerId="ADAL" clId="{50221FE2-3732-40EC-89C5-FD390CBB239C}" dt="2023-04-20T11:12:08.244" v="71" actId="313"/>
+          <ac:spMkLst>
+            <pc:docMk/>
+            <pc:sldMk cId="432629419" sldId="271"/>
+            <ac:spMk id="6" creationId="{DC198D39-8347-73ED-E942-EA2B126FF033}"/>
+          </ac:spMkLst>
+        </pc:spChg>
+        <pc:picChg chg="add mod">
+          <ac:chgData name="Andrea Archetti" userId="291975a6-52d4-44d6-83c4-62271c88eb97" providerId="ADAL" clId="{50221FE2-3732-40EC-89C5-FD390CBB239C}" dt="2023-04-20T11:09:48.200" v="26" actId="1076"/>
+          <ac:picMkLst>
+            <pc:docMk/>
+            <pc:sldMk cId="432629419" sldId="271"/>
+            <ac:picMk id="5" creationId="{B2C45C3D-3F3C-F685-F5F0-0AB487D75514}"/>
+          </ac:picMkLst>
+        </pc:picChg>
+        <pc:picChg chg="add mod">
+          <ac:chgData name="Andrea Archetti" userId="291975a6-52d4-44d6-83c4-62271c88eb97" providerId="ADAL" clId="{50221FE2-3732-40EC-89C5-FD390CBB239C}" dt="2023-04-20T11:11:56.605" v="70" actId="1076"/>
+          <ac:picMkLst>
+            <pc:docMk/>
+            <pc:sldMk cId="432629419" sldId="271"/>
+            <ac:picMk id="8" creationId="{EFFCD025-88B2-1D3A-AEBA-F5D23D9E3EEA}"/>
+          </ac:picMkLst>
+        </pc:picChg>
+      </pc:sldChg>
+      <pc:sldChg chg="new del">
+        <pc:chgData name="Andrea Archetti" userId="291975a6-52d4-44d6-83c4-62271c88eb97" providerId="ADAL" clId="{50221FE2-3732-40EC-89C5-FD390CBB239C}" dt="2023-04-20T11:12:24.064" v="74" actId="47"/>
+        <pc:sldMkLst>
+          <pc:docMk/>
+          <pc:sldMk cId="1461347305" sldId="272"/>
+        </pc:sldMkLst>
+      </pc:sldChg>
+      <pc:sldChg chg="addSp delSp modSp add mod">
+        <pc:chgData name="Andrea Archetti" userId="291975a6-52d4-44d6-83c4-62271c88eb97" providerId="ADAL" clId="{50221FE2-3732-40EC-89C5-FD390CBB239C}" dt="2023-04-20T11:16:43.691" v="92" actId="1076"/>
+        <pc:sldMkLst>
+          <pc:docMk/>
+          <pc:sldMk cId="1397122212" sldId="273"/>
+        </pc:sldMkLst>
+        <pc:picChg chg="add mod">
+          <ac:chgData name="Andrea Archetti" userId="291975a6-52d4-44d6-83c4-62271c88eb97" providerId="ADAL" clId="{50221FE2-3732-40EC-89C5-FD390CBB239C}" dt="2023-04-20T11:16:43.691" v="92" actId="1076"/>
+          <ac:picMkLst>
+            <pc:docMk/>
+            <pc:sldMk cId="1397122212" sldId="273"/>
+            <ac:picMk id="3" creationId="{230CB3CE-3D5E-372D-9353-A87184E053C5}"/>
+          </ac:picMkLst>
+        </pc:picChg>
+        <pc:picChg chg="del">
+          <ac:chgData name="Andrea Archetti" userId="291975a6-52d4-44d6-83c4-62271c88eb97" providerId="ADAL" clId="{50221FE2-3732-40EC-89C5-FD390CBB239C}" dt="2023-04-20T11:13:03.563" v="76" actId="478"/>
+          <ac:picMkLst>
+            <pc:docMk/>
+            <pc:sldMk cId="1397122212" sldId="273"/>
+            <ac:picMk id="5" creationId="{B2C45C3D-3F3C-F685-F5F0-0AB487D75514}"/>
+          </ac:picMkLst>
+        </pc:picChg>
+        <pc:picChg chg="add del mod">
+          <ac:chgData name="Andrea Archetti" userId="291975a6-52d4-44d6-83c4-62271c88eb97" providerId="ADAL" clId="{50221FE2-3732-40EC-89C5-FD390CBB239C}" dt="2023-04-20T11:16:30.682" v="85" actId="478"/>
+          <ac:picMkLst>
+            <pc:docMk/>
+            <pc:sldMk cId="1397122212" sldId="273"/>
+            <ac:picMk id="7" creationId="{402936DE-199C-1C48-CBCB-0A01728759FC}"/>
+          </ac:picMkLst>
+        </pc:picChg>
+        <pc:picChg chg="del">
+          <ac:chgData name="Andrea Archetti" userId="291975a6-52d4-44d6-83c4-62271c88eb97" providerId="ADAL" clId="{50221FE2-3732-40EC-89C5-FD390CBB239C}" dt="2023-04-20T11:13:02.987" v="75" actId="478"/>
+          <ac:picMkLst>
+            <pc:docMk/>
+            <pc:sldMk cId="1397122212" sldId="273"/>
+            <ac:picMk id="8" creationId="{EFFCD025-88B2-1D3A-AEBA-F5D23D9E3EEA}"/>
+          </ac:picMkLst>
+        </pc:picChg>
+        <pc:picChg chg="add mod">
+          <ac:chgData name="Andrea Archetti" userId="291975a6-52d4-44d6-83c4-62271c88eb97" providerId="ADAL" clId="{50221FE2-3732-40EC-89C5-FD390CBB239C}" dt="2023-04-20T11:16:41.921" v="91" actId="1076"/>
+          <ac:picMkLst>
+            <pc:docMk/>
+            <pc:sldMk cId="1397122212" sldId="273"/>
+            <ac:picMk id="10" creationId="{699F9A29-E8EF-C5D1-1AA9-B10F2B653E00}"/>
+          </ac:picMkLst>
+        </pc:picChg>
+      </pc:sldChg>
+      <pc:sldChg chg="addSp delSp modSp add mod">
+        <pc:chgData name="Andrea Archetti" userId="291975a6-52d4-44d6-83c4-62271c88eb97" providerId="ADAL" clId="{50221FE2-3732-40EC-89C5-FD390CBB239C}" dt="2023-04-20T11:18:31.252" v="101" actId="1076"/>
+        <pc:sldMkLst>
+          <pc:docMk/>
+          <pc:sldMk cId="2747501298" sldId="274"/>
+        </pc:sldMkLst>
+        <pc:picChg chg="del">
+          <ac:chgData name="Andrea Archetti" userId="291975a6-52d4-44d6-83c4-62271c88eb97" providerId="ADAL" clId="{50221FE2-3732-40EC-89C5-FD390CBB239C}" dt="2023-04-20T11:18:08.002" v="94" actId="478"/>
+          <ac:picMkLst>
+            <pc:docMk/>
+            <pc:sldMk cId="2747501298" sldId="274"/>
+            <ac:picMk id="3" creationId="{230CB3CE-3D5E-372D-9353-A87184E053C5}"/>
+          </ac:picMkLst>
+        </pc:picChg>
+        <pc:picChg chg="add mod">
+          <ac:chgData name="Andrea Archetti" userId="291975a6-52d4-44d6-83c4-62271c88eb97" providerId="ADAL" clId="{50221FE2-3732-40EC-89C5-FD390CBB239C}" dt="2023-04-20T11:18:19.192" v="99" actId="1076"/>
+          <ac:picMkLst>
+            <pc:docMk/>
+            <pc:sldMk cId="2747501298" sldId="274"/>
+            <ac:picMk id="4" creationId="{A6EA12E7-F58F-2D7D-2937-1B3C62CCDBA8}"/>
+          </ac:picMkLst>
+        </pc:picChg>
+        <pc:picChg chg="add mod">
+          <ac:chgData name="Andrea Archetti" userId="291975a6-52d4-44d6-83c4-62271c88eb97" providerId="ADAL" clId="{50221FE2-3732-40EC-89C5-FD390CBB239C}" dt="2023-04-20T11:18:31.252" v="101" actId="1076"/>
+          <ac:picMkLst>
+            <pc:docMk/>
+            <pc:sldMk cId="2747501298" sldId="274"/>
+            <ac:picMk id="7" creationId="{ED96029E-4047-586E-4DEC-6454F4B246F3}"/>
+          </ac:picMkLst>
+        </pc:picChg>
+        <pc:picChg chg="del">
+          <ac:chgData name="Andrea Archetti" userId="291975a6-52d4-44d6-83c4-62271c88eb97" providerId="ADAL" clId="{50221FE2-3732-40EC-89C5-FD390CBB239C}" dt="2023-04-20T11:18:08.578" v="95" actId="478"/>
+          <ac:picMkLst>
+            <pc:docMk/>
+            <pc:sldMk cId="2747501298" sldId="274"/>
+            <ac:picMk id="10" creationId="{699F9A29-E8EF-C5D1-1AA9-B10F2B653E00}"/>
+          </ac:picMkLst>
+        </pc:picChg>
       </pc:sldChg>
     </pc:docChg>
   </pc:docChgLst>
@@ -13404,10 +13547,26 @@
               <a:buNone/>
             </a:pPr>
             <a:r>
-              <a:rPr lang="en-GB"/>
-              <a:t>Comparison non lin vs lin model</a:t>
+              <a:rPr lang="en-GB" dirty="0"/>
+              <a:t>Comparison non </a:t>
             </a:r>
-            <a:endParaRPr/>
+            <a:r>
+              <a:rPr lang="en-GB" dirty="0" err="1"/>
+              <a:t>lin</a:t>
+            </a:r>
+            <a:r>
+              <a:rPr lang="en-GB" dirty="0"/>
+              <a:t> vs </a:t>
+            </a:r>
+            <a:r>
+              <a:rPr lang="en-GB" dirty="0" err="1"/>
+              <a:t>lin</a:t>
+            </a:r>
+            <a:r>
+              <a:rPr lang="en-GB" dirty="0"/>
+              <a:t> model</a:t>
+            </a:r>
+            <a:endParaRPr dirty="0"/>
           </a:p>
         </p:txBody>
       </p:sp>
@@ -13466,6 +13625,402 @@
         </p:spPr>
       </p:pic>
     </p:spTree>
+  </p:cSld>
+  <p:clrMapOvr>
+    <a:masterClrMapping/>
+  </p:clrMapOvr>
+</p:sld>
+</file>
+
+<file path=ppt/slides/slide14.xml><?xml version="1.0" encoding="utf-8"?>
+<p:sld xmlns:a="http://schemas.openxmlformats.org/drawingml/2006/main" xmlns:r="http://schemas.openxmlformats.org/officeDocument/2006/relationships" xmlns:p="http://schemas.openxmlformats.org/presentationml/2006/main">
+  <p:cSld>
+    <p:spTree>
+      <p:nvGrpSpPr>
+        <p:cNvPr id="1" name=""/>
+        <p:cNvGrpSpPr/>
+        <p:nvPr/>
+      </p:nvGrpSpPr>
+      <p:grpSpPr>
+        <a:xfrm>
+          <a:off x="0" y="0"/>
+          <a:ext cx="0" cy="0"/>
+          <a:chOff x="0" y="0"/>
+          <a:chExt cx="0" cy="0"/>
+        </a:xfrm>
+      </p:grpSpPr>
+      <p:pic>
+        <p:nvPicPr>
+          <p:cNvPr id="5" name="Immagine 4">
+            <a:extLst>
+              <a:ext uri="{FF2B5EF4-FFF2-40B4-BE49-F238E27FC236}">
+                <a16:creationId xmlns:a16="http://schemas.microsoft.com/office/drawing/2014/main" id="{B2C45C3D-3F3C-F685-F5F0-0AB487D75514}"/>
+              </a:ext>
+            </a:extLst>
+          </p:cNvPr>
+          <p:cNvPicPr>
+            <a:picLocks noChangeAspect="1"/>
+          </p:cNvPicPr>
+          <p:nvPr/>
+        </p:nvPicPr>
+        <p:blipFill>
+          <a:blip r:embed="rId2"/>
+          <a:stretch>
+            <a:fillRect/>
+          </a:stretch>
+        </p:blipFill>
+        <p:spPr>
+          <a:xfrm>
+            <a:off x="5270081" y="811283"/>
+            <a:ext cx="5857464" cy="5235433"/>
+          </a:xfrm>
+          <a:prstGeom prst="rect">
+            <a:avLst/>
+          </a:prstGeom>
+        </p:spPr>
+      </p:pic>
+      <p:sp>
+        <p:nvSpPr>
+          <p:cNvPr id="6" name="CasellaDiTesto 5">
+            <a:extLst>
+              <a:ext uri="{FF2B5EF4-FFF2-40B4-BE49-F238E27FC236}">
+                <a16:creationId xmlns:a16="http://schemas.microsoft.com/office/drawing/2014/main" id="{DC198D39-8347-73ED-E942-EA2B126FF033}"/>
+              </a:ext>
+            </a:extLst>
+          </p:cNvPr>
+          <p:cNvSpPr txBox="1"/>
+          <p:nvPr/>
+        </p:nvSpPr>
+        <p:spPr>
+          <a:xfrm>
+            <a:off x="365760" y="811283"/>
+            <a:ext cx="4726745" cy="1446550"/>
+          </a:xfrm>
+          <a:prstGeom prst="rect">
+            <a:avLst/>
+          </a:prstGeom>
+          <a:noFill/>
+        </p:spPr>
+        <p:txBody>
+          <a:bodyPr wrap="square" rtlCol="0">
+            <a:spAutoFit/>
+          </a:bodyPr>
+          <a:lstStyle/>
+          <a:p>
+            <a:r>
+              <a:rPr lang="it-IT" sz="4400" dirty="0">
+                <a:solidFill>
+                  <a:schemeClr val="dk1"/>
+                </a:solidFill>
+                <a:latin typeface="Calibri"/>
+                <a:cs typeface="Calibri"/>
+                <a:sym typeface="Calibri"/>
+              </a:rPr>
+              <a:t>Frequency Base Control of the Base</a:t>
+            </a:r>
+          </a:p>
+        </p:txBody>
+      </p:sp>
+      <p:pic>
+        <p:nvPicPr>
+          <p:cNvPr id="8" name="Immagine 7">
+            <a:extLst>
+              <a:ext uri="{FF2B5EF4-FFF2-40B4-BE49-F238E27FC236}">
+                <a16:creationId xmlns:a16="http://schemas.microsoft.com/office/drawing/2014/main" id="{EFFCD025-88B2-1D3A-AEBA-F5D23D9E3EEA}"/>
+              </a:ext>
+            </a:extLst>
+          </p:cNvPr>
+          <p:cNvPicPr>
+            <a:picLocks noChangeAspect="1"/>
+          </p:cNvPicPr>
+          <p:nvPr/>
+        </p:nvPicPr>
+        <p:blipFill>
+          <a:blip r:embed="rId3"/>
+          <a:stretch>
+            <a:fillRect/>
+          </a:stretch>
+        </p:blipFill>
+        <p:spPr>
+          <a:xfrm>
+            <a:off x="1064455" y="2257833"/>
+            <a:ext cx="2499014" cy="3641141"/>
+          </a:xfrm>
+          <a:prstGeom prst="rect">
+            <a:avLst/>
+          </a:prstGeom>
+        </p:spPr>
+      </p:pic>
+    </p:spTree>
+    <p:extLst>
+      <p:ext uri="{BB962C8B-B14F-4D97-AF65-F5344CB8AC3E}">
+        <p14:creationId xmlns:p14="http://schemas.microsoft.com/office/powerpoint/2010/main" val="432629419"/>
+      </p:ext>
+    </p:extLst>
+  </p:cSld>
+  <p:clrMapOvr>
+    <a:masterClrMapping/>
+  </p:clrMapOvr>
+</p:sld>
+</file>
+
+<file path=ppt/slides/slide15.xml><?xml version="1.0" encoding="utf-8"?>
+<p:sld xmlns:a="http://schemas.openxmlformats.org/drawingml/2006/main" xmlns:r="http://schemas.openxmlformats.org/officeDocument/2006/relationships" xmlns:p="http://schemas.openxmlformats.org/presentationml/2006/main">
+  <p:cSld>
+    <p:spTree>
+      <p:nvGrpSpPr>
+        <p:cNvPr id="1" name=""/>
+        <p:cNvGrpSpPr/>
+        <p:nvPr/>
+      </p:nvGrpSpPr>
+      <p:grpSpPr>
+        <a:xfrm>
+          <a:off x="0" y="0"/>
+          <a:ext cx="0" cy="0"/>
+          <a:chOff x="0" y="0"/>
+          <a:chExt cx="0" cy="0"/>
+        </a:xfrm>
+      </p:grpSpPr>
+      <p:sp>
+        <p:nvSpPr>
+          <p:cNvPr id="6" name="CasellaDiTesto 5">
+            <a:extLst>
+              <a:ext uri="{FF2B5EF4-FFF2-40B4-BE49-F238E27FC236}">
+                <a16:creationId xmlns:a16="http://schemas.microsoft.com/office/drawing/2014/main" id="{DC198D39-8347-73ED-E942-EA2B126FF033}"/>
+              </a:ext>
+            </a:extLst>
+          </p:cNvPr>
+          <p:cNvSpPr txBox="1"/>
+          <p:nvPr/>
+        </p:nvSpPr>
+        <p:spPr>
+          <a:xfrm>
+            <a:off x="365760" y="811283"/>
+            <a:ext cx="4726745" cy="1446550"/>
+          </a:xfrm>
+          <a:prstGeom prst="rect">
+            <a:avLst/>
+          </a:prstGeom>
+          <a:noFill/>
+        </p:spPr>
+        <p:txBody>
+          <a:bodyPr wrap="square" rtlCol="0">
+            <a:spAutoFit/>
+          </a:bodyPr>
+          <a:lstStyle/>
+          <a:p>
+            <a:r>
+              <a:rPr lang="it-IT" sz="4400" dirty="0">
+                <a:solidFill>
+                  <a:schemeClr val="dk1"/>
+                </a:solidFill>
+                <a:latin typeface="Calibri"/>
+                <a:cs typeface="Calibri"/>
+                <a:sym typeface="Calibri"/>
+              </a:rPr>
+              <a:t>Frequency Base Control of the Base</a:t>
+            </a:r>
+          </a:p>
+        </p:txBody>
+      </p:sp>
+      <p:pic>
+        <p:nvPicPr>
+          <p:cNvPr id="3" name="Immagine 2">
+            <a:extLst>
+              <a:ext uri="{FF2B5EF4-FFF2-40B4-BE49-F238E27FC236}">
+                <a16:creationId xmlns:a16="http://schemas.microsoft.com/office/drawing/2014/main" id="{230CB3CE-3D5E-372D-9353-A87184E053C5}"/>
+              </a:ext>
+            </a:extLst>
+          </p:cNvPr>
+          <p:cNvPicPr>
+            <a:picLocks noChangeAspect="1"/>
+          </p:cNvPicPr>
+          <p:nvPr/>
+        </p:nvPicPr>
+        <p:blipFill>
+          <a:blip r:embed="rId2"/>
+          <a:stretch>
+            <a:fillRect/>
+          </a:stretch>
+        </p:blipFill>
+        <p:spPr>
+          <a:xfrm>
+            <a:off x="365760" y="4600168"/>
+            <a:ext cx="9580098" cy="1681794"/>
+          </a:xfrm>
+          <a:prstGeom prst="rect">
+            <a:avLst/>
+          </a:prstGeom>
+        </p:spPr>
+      </p:pic>
+      <p:pic>
+        <p:nvPicPr>
+          <p:cNvPr id="10" name="Immagine 9">
+            <a:extLst>
+              <a:ext uri="{FF2B5EF4-FFF2-40B4-BE49-F238E27FC236}">
+                <a16:creationId xmlns:a16="http://schemas.microsoft.com/office/drawing/2014/main" id="{699F9A29-E8EF-C5D1-1AA9-B10F2B653E00}"/>
+              </a:ext>
+            </a:extLst>
+          </p:cNvPr>
+          <p:cNvPicPr>
+            <a:picLocks noChangeAspect="1"/>
+          </p:cNvPicPr>
+          <p:nvPr/>
+        </p:nvPicPr>
+        <p:blipFill>
+          <a:blip r:embed="rId3"/>
+          <a:stretch>
+            <a:fillRect/>
+          </a:stretch>
+        </p:blipFill>
+        <p:spPr>
+          <a:xfrm>
+            <a:off x="5685692" y="465451"/>
+            <a:ext cx="6140548" cy="3899472"/>
+          </a:xfrm>
+          <a:prstGeom prst="rect">
+            <a:avLst/>
+          </a:prstGeom>
+        </p:spPr>
+      </p:pic>
+    </p:spTree>
+    <p:extLst>
+      <p:ext uri="{BB962C8B-B14F-4D97-AF65-F5344CB8AC3E}">
+        <p14:creationId xmlns:p14="http://schemas.microsoft.com/office/powerpoint/2010/main" val="1397122212"/>
+      </p:ext>
+    </p:extLst>
+  </p:cSld>
+  <p:clrMapOvr>
+    <a:masterClrMapping/>
+  </p:clrMapOvr>
+</p:sld>
+</file>
+
+<file path=ppt/slides/slide16.xml><?xml version="1.0" encoding="utf-8"?>
+<p:sld xmlns:a="http://schemas.openxmlformats.org/drawingml/2006/main" xmlns:r="http://schemas.openxmlformats.org/officeDocument/2006/relationships" xmlns:p="http://schemas.openxmlformats.org/presentationml/2006/main">
+  <p:cSld>
+    <p:spTree>
+      <p:nvGrpSpPr>
+        <p:cNvPr id="1" name=""/>
+        <p:cNvGrpSpPr/>
+        <p:nvPr/>
+      </p:nvGrpSpPr>
+      <p:grpSpPr>
+        <a:xfrm>
+          <a:off x="0" y="0"/>
+          <a:ext cx="0" cy="0"/>
+          <a:chOff x="0" y="0"/>
+          <a:chExt cx="0" cy="0"/>
+        </a:xfrm>
+      </p:grpSpPr>
+      <p:sp>
+        <p:nvSpPr>
+          <p:cNvPr id="6" name="CasellaDiTesto 5">
+            <a:extLst>
+              <a:ext uri="{FF2B5EF4-FFF2-40B4-BE49-F238E27FC236}">
+                <a16:creationId xmlns:a16="http://schemas.microsoft.com/office/drawing/2014/main" id="{DC198D39-8347-73ED-E942-EA2B126FF033}"/>
+              </a:ext>
+            </a:extLst>
+          </p:cNvPr>
+          <p:cNvSpPr txBox="1"/>
+          <p:nvPr/>
+        </p:nvSpPr>
+        <p:spPr>
+          <a:xfrm>
+            <a:off x="365760" y="811283"/>
+            <a:ext cx="4726745" cy="1446550"/>
+          </a:xfrm>
+          <a:prstGeom prst="rect">
+            <a:avLst/>
+          </a:prstGeom>
+          <a:noFill/>
+        </p:spPr>
+        <p:txBody>
+          <a:bodyPr wrap="square" rtlCol="0">
+            <a:spAutoFit/>
+          </a:bodyPr>
+          <a:lstStyle/>
+          <a:p>
+            <a:r>
+              <a:rPr lang="it-IT" sz="4400" dirty="0">
+                <a:solidFill>
+                  <a:schemeClr val="dk1"/>
+                </a:solidFill>
+                <a:latin typeface="Calibri"/>
+                <a:cs typeface="Calibri"/>
+                <a:sym typeface="Calibri"/>
+              </a:rPr>
+              <a:t>Frequency Base Control of the Base</a:t>
+            </a:r>
+          </a:p>
+        </p:txBody>
+      </p:sp>
+      <p:pic>
+        <p:nvPicPr>
+          <p:cNvPr id="4" name="Immagine 3">
+            <a:extLst>
+              <a:ext uri="{FF2B5EF4-FFF2-40B4-BE49-F238E27FC236}">
+                <a16:creationId xmlns:a16="http://schemas.microsoft.com/office/drawing/2014/main" id="{A6EA12E7-F58F-2D7D-2937-1B3C62CCDBA8}"/>
+              </a:ext>
+            </a:extLst>
+          </p:cNvPr>
+          <p:cNvPicPr>
+            <a:picLocks noChangeAspect="1"/>
+          </p:cNvPicPr>
+          <p:nvPr/>
+        </p:nvPicPr>
+        <p:blipFill>
+          <a:blip r:embed="rId2"/>
+          <a:stretch>
+            <a:fillRect/>
+          </a:stretch>
+        </p:blipFill>
+        <p:spPr>
+          <a:xfrm>
+            <a:off x="5380733" y="1122111"/>
+            <a:ext cx="3130222" cy="5011922"/>
+          </a:xfrm>
+          <a:prstGeom prst="rect">
+            <a:avLst/>
+          </a:prstGeom>
+        </p:spPr>
+      </p:pic>
+      <p:pic>
+        <p:nvPicPr>
+          <p:cNvPr id="7" name="Immagine 6">
+            <a:extLst>
+              <a:ext uri="{FF2B5EF4-FFF2-40B4-BE49-F238E27FC236}">
+                <a16:creationId xmlns:a16="http://schemas.microsoft.com/office/drawing/2014/main" id="{ED96029E-4047-586E-4DEC-6454F4B246F3}"/>
+              </a:ext>
+            </a:extLst>
+          </p:cNvPr>
+          <p:cNvPicPr>
+            <a:picLocks noChangeAspect="1"/>
+          </p:cNvPicPr>
+          <p:nvPr/>
+        </p:nvPicPr>
+        <p:blipFill>
+          <a:blip r:embed="rId3"/>
+          <a:stretch>
+            <a:fillRect/>
+          </a:stretch>
+        </p:blipFill>
+        <p:spPr>
+          <a:xfrm>
+            <a:off x="8510955" y="1122111"/>
+            <a:ext cx="2076740" cy="3829584"/>
+          </a:xfrm>
+          <a:prstGeom prst="rect">
+            <a:avLst/>
+          </a:prstGeom>
+        </p:spPr>
+      </p:pic>
+    </p:spTree>
+    <p:extLst>
+      <p:ext uri="{BB962C8B-B14F-4D97-AF65-F5344CB8AC3E}">
+        <p14:creationId xmlns:p14="http://schemas.microsoft.com/office/powerpoint/2010/main" val="2747501298"/>
+      </p:ext>
+    </p:extLst>
   </p:cSld>
   <p:clrMapOvr>
     <a:masterClrMapping/>

--- a/Presentation_midterm.pptx
+++ b/Presentation_midterm.pptx
@@ -261,7 +261,7 @@
       <p15:sldGuideLst xmlns:p15="http://schemas.microsoft.com/office/powerpoint/2012/main"/>
     </p:ext>
     <p:ext uri="http://customooxmlschemas.google.com/">
-      <go:slidesCustomData xmlns="" xmlns:mc="http://schemas.openxmlformats.org/markup-compatibility/2006" xmlns:mv="urn:schemas-microsoft-com:mac:vml" xmlns:c="http://schemas.openxmlformats.org/drawingml/2006/chart" xmlns:dgm="http://schemas.openxmlformats.org/drawingml/2006/diagram" xmlns:o="urn:schemas-microsoft-com:office:office" xmlns:v="urn:schemas-microsoft-com:vml" xmlns:pvml="urn:schemas-microsoft-com:office:powerpoint" xmlns:com="http://schemas.openxmlformats.org/drawingml/2006/compatibility" xmlns:p14="http://schemas.microsoft.com/office/powerpoint/2010/main" xmlns:p15="http://schemas.microsoft.com/office/powerpoint/2012/main" xmlns:ahyp="http://schemas.microsoft.com/office/drawing/2018/hyperlinkcolor" xmlns:go="http://customooxmlschemas.google.com/" r:id="rId20" roundtripDataSignature="AMtx7mhV++hMKseQWfytY63H4TYg9mFrEQ=="/>
+      <go:slidesCustomData xmlns:go="http://customooxmlschemas.google.com/" xmlns:ahyp="http://schemas.microsoft.com/office/drawing/2018/hyperlinkcolor" xmlns:p15="http://schemas.microsoft.com/office/powerpoint/2012/main" xmlns:p14="http://schemas.microsoft.com/office/powerpoint/2010/main" xmlns:com="http://schemas.openxmlformats.org/drawingml/2006/compatibility" xmlns:pvml="urn:schemas-microsoft-com:office:powerpoint" xmlns:v="urn:schemas-microsoft-com:vml" xmlns:o="urn:schemas-microsoft-com:office:office" xmlns:dgm="http://schemas.openxmlformats.org/drawingml/2006/diagram" xmlns:c="http://schemas.openxmlformats.org/drawingml/2006/chart" xmlns:mv="urn:schemas-microsoft-com:mac:vml" xmlns:mc="http://schemas.openxmlformats.org/markup-compatibility/2006" xmlns="" r:id="rId20" roundtripDataSignature="AMtx7mhV++hMKseQWfytY63H4TYg9mFrEQ=="/>
     </p:ext>
   </p:extLst>
 </p:presentation>
@@ -270,7 +270,7 @@
 <file path=ppt/revisionInfo.xml><?xml version="1.0" encoding="utf-8"?>
 <p1510:revInfo xmlns:a="http://schemas.openxmlformats.org/drawingml/2006/main" xmlns:r="http://schemas.openxmlformats.org/officeDocument/2006/relationships" xmlns:p1510="http://schemas.microsoft.com/office/powerpoint/2015/10/main">
   <p1510:revLst>
-    <p1510:client id="{50221FE2-3732-40EC-89C5-FD390CBB239C}" v="6" dt="2023-04-20T11:17:11.864"/>
+    <p1510:client id="{50221FE2-3732-40EC-89C5-FD390CBB239C}" v="7" dt="2023-04-20T11:55:17.795"/>
   </p1510:revLst>
 </p1510:revInfo>
 </file>
@@ -280,7 +280,7 @@
   <pc:docChgLst>
     <pc:chgData name="Andrea Archetti" userId="291975a6-52d4-44d6-83c4-62271c88eb97" providerId="ADAL" clId="{50221FE2-3732-40EC-89C5-FD390CBB239C}"/>
     <pc:docChg chg="undo custSel addSld delSld modSld">
-      <pc:chgData name="Andrea Archetti" userId="291975a6-52d4-44d6-83c4-62271c88eb97" providerId="ADAL" clId="{50221FE2-3732-40EC-89C5-FD390CBB239C}" dt="2023-04-20T11:18:31.252" v="101" actId="1076"/>
+      <pc:chgData name="Andrea Archetti" userId="291975a6-52d4-44d6-83c4-62271c88eb97" providerId="ADAL" clId="{50221FE2-3732-40EC-89C5-FD390CBB239C}" dt="2023-04-20T11:55:42.719" v="124" actId="1076"/>
       <pc:docMkLst>
         <pc:docMk/>
       </pc:docMkLst>
@@ -478,11 +478,19 @@
         </pc:picChg>
       </pc:sldChg>
       <pc:sldChg chg="addSp delSp modSp add mod">
-        <pc:chgData name="Andrea Archetti" userId="291975a6-52d4-44d6-83c4-62271c88eb97" providerId="ADAL" clId="{50221FE2-3732-40EC-89C5-FD390CBB239C}" dt="2023-04-20T11:18:31.252" v="101" actId="1076"/>
+        <pc:chgData name="Andrea Archetti" userId="291975a6-52d4-44d6-83c4-62271c88eb97" providerId="ADAL" clId="{50221FE2-3732-40EC-89C5-FD390CBB239C}" dt="2023-04-20T11:55:42.719" v="124" actId="1076"/>
         <pc:sldMkLst>
           <pc:docMk/>
           <pc:sldMk cId="2747501298" sldId="274"/>
         </pc:sldMkLst>
+        <pc:spChg chg="add mod">
+          <ac:chgData name="Andrea Archetti" userId="291975a6-52d4-44d6-83c4-62271c88eb97" providerId="ADAL" clId="{50221FE2-3732-40EC-89C5-FD390CBB239C}" dt="2023-04-20T11:55:42.719" v="124" actId="1076"/>
+          <ac:spMkLst>
+            <pc:docMk/>
+            <pc:sldMk cId="2747501298" sldId="274"/>
+            <ac:spMk id="2" creationId="{814E9670-570B-E9E3-0F03-D594E831EE44}"/>
+          </ac:spMkLst>
+        </pc:spChg>
         <pc:picChg chg="del">
           <ac:chgData name="Andrea Archetti" userId="291975a6-52d4-44d6-83c4-62271c88eb97" providerId="ADAL" clId="{50221FE2-3732-40EC-89C5-FD390CBB239C}" dt="2023-04-20T11:18:08.002" v="94" actId="478"/>
           <ac:picMkLst>
@@ -14015,6 +14023,45 @@
           </a:prstGeom>
         </p:spPr>
       </p:pic>
+      <p:sp>
+        <p:nvSpPr>
+          <p:cNvPr id="2" name="CasellaDiTesto 1">
+            <a:extLst>
+              <a:ext uri="{FF2B5EF4-FFF2-40B4-BE49-F238E27FC236}">
+                <a16:creationId xmlns:a16="http://schemas.microsoft.com/office/drawing/2014/main" id="{814E9670-570B-E9E3-0F03-D594E831EE44}"/>
+              </a:ext>
+            </a:extLst>
+          </p:cNvPr>
+          <p:cNvSpPr txBox="1"/>
+          <p:nvPr/>
+        </p:nvSpPr>
+        <p:spPr>
+          <a:xfrm>
+            <a:off x="8510955" y="5826256"/>
+            <a:ext cx="2214466" cy="307777"/>
+          </a:xfrm>
+          <a:prstGeom prst="rect">
+            <a:avLst/>
+          </a:prstGeom>
+          <a:noFill/>
+        </p:spPr>
+        <p:txBody>
+          <a:bodyPr wrap="square" rtlCol="0">
+            <a:spAutoFit/>
+          </a:bodyPr>
+          <a:lstStyle/>
+          <a:p>
+            <a:r>
+              <a:rPr lang="en-GB" dirty="0"/>
+              <a:t>Results</a:t>
+            </a:r>
+            <a:r>
+              <a:rPr lang="it-IT" dirty="0"/>
+              <a:t> in degree</a:t>
+            </a:r>
+          </a:p>
+        </p:txBody>
+      </p:sp>
     </p:spTree>
     <p:extLst>
       <p:ext uri="{BB962C8B-B14F-4D97-AF65-F5344CB8AC3E}">
